--- a/Creational/Creational Design Patterns.pptx
+++ b/Creational/Creational Design Patterns.pptx
@@ -25,6 +25,9 @@
     <p:sldId id="276" r:id="rId19"/>
     <p:sldId id="277" r:id="rId20"/>
     <p:sldId id="279" r:id="rId21"/>
+    <p:sldId id="281" r:id="rId22"/>
+    <p:sldId id="282" r:id="rId23"/>
+    <p:sldId id="283" r:id="rId24"/>
   </p:sldIdLst>
   <p:sldSz cx="12192000" cy="6858000"/>
   <p:notesSz cx="6858000" cy="9144000"/>
@@ -123,6 +126,11 @@
       </a:defRPr>
     </a:lvl9pPr>
   </p:defaultTextStyle>
+  <p:extLst>
+    <p:ext uri="{EFAFB233-063F-42B5-8137-9DF3F51BA10A}">
+      <p15:sldGuideLst xmlns:p15="http://schemas.microsoft.com/office/powerpoint/2012/main"/>
+    </p:ext>
+  </p:extLst>
 </p:presentation>
 </file>
 
@@ -3429,6 +3437,753 @@
     <dgm:fillClrLst meth="repeat">
       <a:schemeClr val="accent2">
         <a:tint val="40000"/>
+      </a:schemeClr>
+    </dgm:fillClrLst>
+    <dgm:linClrLst meth="repeat">
+      <a:schemeClr val="lt1"/>
+    </dgm:linClrLst>
+    <dgm:effectClrLst/>
+    <dgm:txLinClrLst/>
+    <dgm:txFillClrLst meth="repeat">
+      <a:schemeClr val="dk1"/>
+    </dgm:txFillClrLst>
+    <dgm:txEffectClrLst/>
+  </dgm:styleLbl>
+  <dgm:styleLbl name="revTx">
+    <dgm:fillClrLst meth="repeat">
+      <a:schemeClr val="lt1">
+        <a:alpha val="0"/>
+      </a:schemeClr>
+    </dgm:fillClrLst>
+    <dgm:linClrLst meth="repeat">
+      <a:schemeClr val="dk1">
+        <a:alpha val="0"/>
+      </a:schemeClr>
+    </dgm:linClrLst>
+    <dgm:effectClrLst/>
+    <dgm:txLinClrLst/>
+    <dgm:txFillClrLst meth="repeat">
+      <a:schemeClr val="tx1"/>
+    </dgm:txFillClrLst>
+    <dgm:txEffectClrLst/>
+  </dgm:styleLbl>
+</dgm:colorsDef>
+</file>
+
+<file path=ppt/diagrams/colors5.xml><?xml version="1.0" encoding="utf-8"?>
+<dgm:colorsDef xmlns:dgm="http://schemas.openxmlformats.org/drawingml/2006/diagram" xmlns:a="http://schemas.openxmlformats.org/drawingml/2006/main" uniqueId="urn:microsoft.com/office/officeart/2005/8/colors/accent1_2">
+  <dgm:title val=""/>
+  <dgm:desc val=""/>
+  <dgm:catLst>
+    <dgm:cat type="accent1" pri="11200"/>
+  </dgm:catLst>
+  <dgm:styleLbl name="node0">
+    <dgm:fillClrLst meth="repeat">
+      <a:schemeClr val="accent1"/>
+    </dgm:fillClrLst>
+    <dgm:linClrLst meth="repeat">
+      <a:schemeClr val="lt1"/>
+    </dgm:linClrLst>
+    <dgm:effectClrLst/>
+    <dgm:txLinClrLst/>
+    <dgm:txFillClrLst/>
+    <dgm:txEffectClrLst/>
+  </dgm:styleLbl>
+  <dgm:styleLbl name="alignNode1">
+    <dgm:fillClrLst meth="repeat">
+      <a:schemeClr val="accent1"/>
+    </dgm:fillClrLst>
+    <dgm:linClrLst meth="repeat">
+      <a:schemeClr val="accent1"/>
+    </dgm:linClrLst>
+    <dgm:effectClrLst/>
+    <dgm:txLinClrLst/>
+    <dgm:txFillClrLst/>
+    <dgm:txEffectClrLst/>
+  </dgm:styleLbl>
+  <dgm:styleLbl name="node1">
+    <dgm:fillClrLst meth="repeat">
+      <a:schemeClr val="accent1"/>
+    </dgm:fillClrLst>
+    <dgm:linClrLst meth="repeat">
+      <a:schemeClr val="lt1"/>
+    </dgm:linClrLst>
+    <dgm:effectClrLst/>
+    <dgm:txLinClrLst/>
+    <dgm:txFillClrLst/>
+    <dgm:txEffectClrLst/>
+  </dgm:styleLbl>
+  <dgm:styleLbl name="lnNode1">
+    <dgm:fillClrLst meth="repeat">
+      <a:schemeClr val="accent1"/>
+    </dgm:fillClrLst>
+    <dgm:linClrLst meth="repeat">
+      <a:schemeClr val="lt1"/>
+    </dgm:linClrLst>
+    <dgm:effectClrLst/>
+    <dgm:txLinClrLst/>
+    <dgm:txFillClrLst/>
+    <dgm:txEffectClrLst/>
+  </dgm:styleLbl>
+  <dgm:styleLbl name="vennNode1">
+    <dgm:fillClrLst meth="repeat">
+      <a:schemeClr val="accent1">
+        <a:alpha val="50000"/>
+      </a:schemeClr>
+    </dgm:fillClrLst>
+    <dgm:linClrLst meth="repeat">
+      <a:schemeClr val="lt1"/>
+    </dgm:linClrLst>
+    <dgm:effectClrLst/>
+    <dgm:txLinClrLst/>
+    <dgm:txFillClrLst/>
+    <dgm:txEffectClrLst/>
+  </dgm:styleLbl>
+  <dgm:styleLbl name="node2">
+    <dgm:fillClrLst meth="repeat">
+      <a:schemeClr val="accent1"/>
+    </dgm:fillClrLst>
+    <dgm:linClrLst meth="repeat">
+      <a:schemeClr val="lt1"/>
+    </dgm:linClrLst>
+    <dgm:effectClrLst/>
+    <dgm:txLinClrLst/>
+    <dgm:txFillClrLst/>
+    <dgm:txEffectClrLst/>
+  </dgm:styleLbl>
+  <dgm:styleLbl name="node3">
+    <dgm:fillClrLst meth="repeat">
+      <a:schemeClr val="accent1"/>
+    </dgm:fillClrLst>
+    <dgm:linClrLst meth="repeat">
+      <a:schemeClr val="lt1"/>
+    </dgm:linClrLst>
+    <dgm:effectClrLst/>
+    <dgm:txLinClrLst/>
+    <dgm:txFillClrLst/>
+    <dgm:txEffectClrLst/>
+  </dgm:styleLbl>
+  <dgm:styleLbl name="node4">
+    <dgm:fillClrLst meth="repeat">
+      <a:schemeClr val="accent1"/>
+    </dgm:fillClrLst>
+    <dgm:linClrLst meth="repeat">
+      <a:schemeClr val="lt1"/>
+    </dgm:linClrLst>
+    <dgm:effectClrLst/>
+    <dgm:txLinClrLst/>
+    <dgm:txFillClrLst/>
+    <dgm:txEffectClrLst/>
+  </dgm:styleLbl>
+  <dgm:styleLbl name="fgImgPlace1">
+    <dgm:fillClrLst meth="repeat">
+      <a:schemeClr val="accent1">
+        <a:tint val="50000"/>
+      </a:schemeClr>
+    </dgm:fillClrLst>
+    <dgm:linClrLst meth="repeat">
+      <a:schemeClr val="lt1"/>
+    </dgm:linClrLst>
+    <dgm:effectClrLst/>
+    <dgm:txLinClrLst/>
+    <dgm:txFillClrLst meth="repeat">
+      <a:schemeClr val="lt1"/>
+    </dgm:txFillClrLst>
+    <dgm:txEffectClrLst/>
+  </dgm:styleLbl>
+  <dgm:styleLbl name="alignImgPlace1">
+    <dgm:fillClrLst meth="repeat">
+      <a:schemeClr val="accent1">
+        <a:tint val="50000"/>
+      </a:schemeClr>
+    </dgm:fillClrLst>
+    <dgm:linClrLst meth="repeat">
+      <a:schemeClr val="lt1"/>
+    </dgm:linClrLst>
+    <dgm:effectClrLst/>
+    <dgm:txLinClrLst/>
+    <dgm:txFillClrLst meth="repeat">
+      <a:schemeClr val="lt1"/>
+    </dgm:txFillClrLst>
+    <dgm:txEffectClrLst/>
+  </dgm:styleLbl>
+  <dgm:styleLbl name="bgImgPlace1">
+    <dgm:fillClrLst meth="repeat">
+      <a:schemeClr val="accent1">
+        <a:tint val="50000"/>
+      </a:schemeClr>
+    </dgm:fillClrLst>
+    <dgm:linClrLst meth="repeat">
+      <a:schemeClr val="lt1"/>
+    </dgm:linClrLst>
+    <dgm:effectClrLst/>
+    <dgm:txLinClrLst/>
+    <dgm:txFillClrLst meth="repeat">
+      <a:schemeClr val="lt1"/>
+    </dgm:txFillClrLst>
+    <dgm:txEffectClrLst/>
+  </dgm:styleLbl>
+  <dgm:styleLbl name="sibTrans2D1">
+    <dgm:fillClrLst meth="repeat">
+      <a:schemeClr val="accent1">
+        <a:tint val="60000"/>
+      </a:schemeClr>
+    </dgm:fillClrLst>
+    <dgm:linClrLst meth="repeat">
+      <a:schemeClr val="accent1">
+        <a:tint val="60000"/>
+      </a:schemeClr>
+    </dgm:linClrLst>
+    <dgm:effectClrLst/>
+    <dgm:txLinClrLst/>
+    <dgm:txFillClrLst/>
+    <dgm:txEffectClrLst/>
+  </dgm:styleLbl>
+  <dgm:styleLbl name="fgSibTrans2D1">
+    <dgm:fillClrLst meth="repeat">
+      <a:schemeClr val="accent1">
+        <a:tint val="60000"/>
+      </a:schemeClr>
+    </dgm:fillClrLst>
+    <dgm:linClrLst meth="repeat">
+      <a:schemeClr val="accent1">
+        <a:tint val="60000"/>
+      </a:schemeClr>
+    </dgm:linClrLst>
+    <dgm:effectClrLst/>
+    <dgm:txLinClrLst/>
+    <dgm:txFillClrLst/>
+    <dgm:txEffectClrLst/>
+  </dgm:styleLbl>
+  <dgm:styleLbl name="bgSibTrans2D1">
+    <dgm:fillClrLst meth="repeat">
+      <a:schemeClr val="accent1">
+        <a:tint val="60000"/>
+      </a:schemeClr>
+    </dgm:fillClrLst>
+    <dgm:linClrLst meth="repeat">
+      <a:schemeClr val="accent1">
+        <a:tint val="60000"/>
+      </a:schemeClr>
+    </dgm:linClrLst>
+    <dgm:effectClrLst/>
+    <dgm:txLinClrLst/>
+    <dgm:txFillClrLst/>
+    <dgm:txEffectClrLst/>
+  </dgm:styleLbl>
+  <dgm:styleLbl name="sibTrans1D1">
+    <dgm:fillClrLst meth="repeat">
+      <a:schemeClr val="accent1"/>
+    </dgm:fillClrLst>
+    <dgm:linClrLst meth="repeat">
+      <a:schemeClr val="accent1"/>
+    </dgm:linClrLst>
+    <dgm:effectClrLst/>
+    <dgm:txLinClrLst/>
+    <dgm:txFillClrLst meth="repeat">
+      <a:schemeClr val="tx1"/>
+    </dgm:txFillClrLst>
+    <dgm:txEffectClrLst/>
+  </dgm:styleLbl>
+  <dgm:styleLbl name="callout">
+    <dgm:fillClrLst meth="repeat">
+      <a:schemeClr val="accent1"/>
+    </dgm:fillClrLst>
+    <dgm:linClrLst meth="repeat">
+      <a:schemeClr val="accent1">
+        <a:tint val="50000"/>
+      </a:schemeClr>
+    </dgm:linClrLst>
+    <dgm:effectClrLst/>
+    <dgm:txLinClrLst/>
+    <dgm:txFillClrLst meth="repeat">
+      <a:schemeClr val="tx1"/>
+    </dgm:txFillClrLst>
+    <dgm:txEffectClrLst/>
+  </dgm:styleLbl>
+  <dgm:styleLbl name="asst0">
+    <dgm:fillClrLst meth="repeat">
+      <a:schemeClr val="accent1"/>
+    </dgm:fillClrLst>
+    <dgm:linClrLst meth="repeat">
+      <a:schemeClr val="lt1"/>
+    </dgm:linClrLst>
+    <dgm:effectClrLst/>
+    <dgm:txLinClrLst/>
+    <dgm:txFillClrLst/>
+    <dgm:txEffectClrLst/>
+  </dgm:styleLbl>
+  <dgm:styleLbl name="asst1">
+    <dgm:fillClrLst meth="repeat">
+      <a:schemeClr val="accent1"/>
+    </dgm:fillClrLst>
+    <dgm:linClrLst meth="repeat">
+      <a:schemeClr val="lt1"/>
+    </dgm:linClrLst>
+    <dgm:effectClrLst/>
+    <dgm:txLinClrLst/>
+    <dgm:txFillClrLst/>
+    <dgm:txEffectClrLst/>
+  </dgm:styleLbl>
+  <dgm:styleLbl name="asst2">
+    <dgm:fillClrLst meth="repeat">
+      <a:schemeClr val="accent1"/>
+    </dgm:fillClrLst>
+    <dgm:linClrLst meth="repeat">
+      <a:schemeClr val="lt1"/>
+    </dgm:linClrLst>
+    <dgm:effectClrLst/>
+    <dgm:txLinClrLst/>
+    <dgm:txFillClrLst/>
+    <dgm:txEffectClrLst/>
+  </dgm:styleLbl>
+  <dgm:styleLbl name="asst3">
+    <dgm:fillClrLst meth="repeat">
+      <a:schemeClr val="accent1"/>
+    </dgm:fillClrLst>
+    <dgm:linClrLst meth="repeat">
+      <a:schemeClr val="lt1"/>
+    </dgm:linClrLst>
+    <dgm:effectClrLst/>
+    <dgm:txLinClrLst/>
+    <dgm:txFillClrLst/>
+    <dgm:txEffectClrLst/>
+  </dgm:styleLbl>
+  <dgm:styleLbl name="asst4">
+    <dgm:fillClrLst meth="repeat">
+      <a:schemeClr val="accent1"/>
+    </dgm:fillClrLst>
+    <dgm:linClrLst meth="repeat">
+      <a:schemeClr val="lt1"/>
+    </dgm:linClrLst>
+    <dgm:effectClrLst/>
+    <dgm:txLinClrLst/>
+    <dgm:txFillClrLst/>
+    <dgm:txEffectClrLst/>
+  </dgm:styleLbl>
+  <dgm:styleLbl name="parChTrans2D1">
+    <dgm:fillClrLst meth="repeat">
+      <a:schemeClr val="accent1">
+        <a:tint val="60000"/>
+      </a:schemeClr>
+    </dgm:fillClrLst>
+    <dgm:linClrLst meth="repeat">
+      <a:schemeClr val="accent1">
+        <a:tint val="60000"/>
+      </a:schemeClr>
+    </dgm:linClrLst>
+    <dgm:effectClrLst/>
+    <dgm:txLinClrLst/>
+    <dgm:txFillClrLst meth="repeat">
+      <a:schemeClr val="lt1"/>
+    </dgm:txFillClrLst>
+    <dgm:txEffectClrLst/>
+  </dgm:styleLbl>
+  <dgm:styleLbl name="parChTrans2D2">
+    <dgm:fillClrLst meth="repeat">
+      <a:schemeClr val="accent1"/>
+    </dgm:fillClrLst>
+    <dgm:linClrLst meth="repeat">
+      <a:schemeClr val="accent1"/>
+    </dgm:linClrLst>
+    <dgm:effectClrLst/>
+    <dgm:txLinClrLst/>
+    <dgm:txFillClrLst meth="repeat">
+      <a:schemeClr val="lt1"/>
+    </dgm:txFillClrLst>
+    <dgm:txEffectClrLst/>
+  </dgm:styleLbl>
+  <dgm:styleLbl name="parChTrans2D3">
+    <dgm:fillClrLst meth="repeat">
+      <a:schemeClr val="accent1"/>
+    </dgm:fillClrLst>
+    <dgm:linClrLst meth="repeat">
+      <a:schemeClr val="accent1"/>
+    </dgm:linClrLst>
+    <dgm:effectClrLst/>
+    <dgm:txLinClrLst/>
+    <dgm:txFillClrLst meth="repeat">
+      <a:schemeClr val="lt1"/>
+    </dgm:txFillClrLst>
+    <dgm:txEffectClrLst/>
+  </dgm:styleLbl>
+  <dgm:styleLbl name="parChTrans2D4">
+    <dgm:fillClrLst meth="repeat">
+      <a:schemeClr val="accent1"/>
+    </dgm:fillClrLst>
+    <dgm:linClrLst meth="repeat">
+      <a:schemeClr val="accent1"/>
+    </dgm:linClrLst>
+    <dgm:effectClrLst/>
+    <dgm:txLinClrLst/>
+    <dgm:txFillClrLst meth="repeat">
+      <a:schemeClr val="lt1"/>
+    </dgm:txFillClrLst>
+    <dgm:txEffectClrLst/>
+  </dgm:styleLbl>
+  <dgm:styleLbl name="parChTrans1D1">
+    <dgm:fillClrLst meth="repeat">
+      <a:schemeClr val="accent1"/>
+    </dgm:fillClrLst>
+    <dgm:linClrLst meth="repeat">
+      <a:schemeClr val="accent1">
+        <a:shade val="60000"/>
+      </a:schemeClr>
+    </dgm:linClrLst>
+    <dgm:effectClrLst/>
+    <dgm:txLinClrLst/>
+    <dgm:txFillClrLst meth="repeat">
+      <a:schemeClr val="tx1"/>
+    </dgm:txFillClrLst>
+    <dgm:txEffectClrLst/>
+  </dgm:styleLbl>
+  <dgm:styleLbl name="parChTrans1D2">
+    <dgm:fillClrLst meth="repeat">
+      <a:schemeClr val="accent1"/>
+    </dgm:fillClrLst>
+    <dgm:linClrLst meth="repeat">
+      <a:schemeClr val="accent1">
+        <a:shade val="60000"/>
+      </a:schemeClr>
+    </dgm:linClrLst>
+    <dgm:effectClrLst/>
+    <dgm:txLinClrLst/>
+    <dgm:txFillClrLst meth="repeat">
+      <a:schemeClr val="tx1"/>
+    </dgm:txFillClrLst>
+    <dgm:txEffectClrLst/>
+  </dgm:styleLbl>
+  <dgm:styleLbl name="parChTrans1D3">
+    <dgm:fillClrLst meth="repeat">
+      <a:schemeClr val="accent1"/>
+    </dgm:fillClrLst>
+    <dgm:linClrLst meth="repeat">
+      <a:schemeClr val="accent1">
+        <a:shade val="80000"/>
+      </a:schemeClr>
+    </dgm:linClrLst>
+    <dgm:effectClrLst/>
+    <dgm:txLinClrLst/>
+    <dgm:txFillClrLst meth="repeat">
+      <a:schemeClr val="tx1"/>
+    </dgm:txFillClrLst>
+    <dgm:txEffectClrLst/>
+  </dgm:styleLbl>
+  <dgm:styleLbl name="parChTrans1D4">
+    <dgm:fillClrLst meth="repeat">
+      <a:schemeClr val="accent1"/>
+    </dgm:fillClrLst>
+    <dgm:linClrLst meth="repeat">
+      <a:schemeClr val="accent1">
+        <a:shade val="80000"/>
+      </a:schemeClr>
+    </dgm:linClrLst>
+    <dgm:effectClrLst/>
+    <dgm:txLinClrLst/>
+    <dgm:txFillClrLst meth="repeat">
+      <a:schemeClr val="tx1"/>
+    </dgm:txFillClrLst>
+    <dgm:txEffectClrLst/>
+  </dgm:styleLbl>
+  <dgm:styleLbl name="fgAcc1">
+    <dgm:fillClrLst meth="repeat">
+      <a:schemeClr val="lt1">
+        <a:alpha val="90000"/>
+      </a:schemeClr>
+    </dgm:fillClrLst>
+    <dgm:linClrLst meth="repeat">
+      <a:schemeClr val="accent1"/>
+    </dgm:linClrLst>
+    <dgm:effectClrLst/>
+    <dgm:txLinClrLst/>
+    <dgm:txFillClrLst meth="repeat">
+      <a:schemeClr val="dk1"/>
+    </dgm:txFillClrLst>
+    <dgm:txEffectClrLst/>
+  </dgm:styleLbl>
+  <dgm:styleLbl name="conFgAcc1">
+    <dgm:fillClrLst meth="repeat">
+      <a:schemeClr val="lt1">
+        <a:alpha val="90000"/>
+      </a:schemeClr>
+    </dgm:fillClrLst>
+    <dgm:linClrLst meth="repeat">
+      <a:schemeClr val="accent1"/>
+    </dgm:linClrLst>
+    <dgm:effectClrLst/>
+    <dgm:txLinClrLst/>
+    <dgm:txFillClrLst meth="repeat">
+      <a:schemeClr val="dk1"/>
+    </dgm:txFillClrLst>
+    <dgm:txEffectClrLst/>
+  </dgm:styleLbl>
+  <dgm:styleLbl name="alignAcc1">
+    <dgm:fillClrLst meth="repeat">
+      <a:schemeClr val="lt1">
+        <a:alpha val="90000"/>
+      </a:schemeClr>
+    </dgm:fillClrLst>
+    <dgm:linClrLst meth="repeat">
+      <a:schemeClr val="accent1"/>
+    </dgm:linClrLst>
+    <dgm:effectClrLst/>
+    <dgm:txLinClrLst/>
+    <dgm:txFillClrLst meth="repeat">
+      <a:schemeClr val="dk1"/>
+    </dgm:txFillClrLst>
+    <dgm:txEffectClrLst/>
+  </dgm:styleLbl>
+  <dgm:styleLbl name="trAlignAcc1">
+    <dgm:fillClrLst meth="repeat">
+      <a:schemeClr val="lt1">
+        <a:alpha val="40000"/>
+      </a:schemeClr>
+    </dgm:fillClrLst>
+    <dgm:linClrLst meth="repeat">
+      <a:schemeClr val="accent1"/>
+    </dgm:linClrLst>
+    <dgm:effectClrLst/>
+    <dgm:txLinClrLst/>
+    <dgm:txFillClrLst meth="repeat">
+      <a:schemeClr val="dk1"/>
+    </dgm:txFillClrLst>
+    <dgm:txEffectClrLst/>
+  </dgm:styleLbl>
+  <dgm:styleLbl name="bgAcc1">
+    <dgm:fillClrLst meth="repeat">
+      <a:schemeClr val="lt1">
+        <a:alpha val="90000"/>
+      </a:schemeClr>
+    </dgm:fillClrLst>
+    <dgm:linClrLst meth="repeat">
+      <a:schemeClr val="accent1"/>
+    </dgm:linClrLst>
+    <dgm:effectClrLst/>
+    <dgm:txLinClrLst/>
+    <dgm:txFillClrLst meth="repeat">
+      <a:schemeClr val="dk1"/>
+    </dgm:txFillClrLst>
+    <dgm:txEffectClrLst/>
+  </dgm:styleLbl>
+  <dgm:styleLbl name="solidFgAcc1">
+    <dgm:fillClrLst meth="repeat">
+      <a:schemeClr val="lt1"/>
+    </dgm:fillClrLst>
+    <dgm:linClrLst meth="repeat">
+      <a:schemeClr val="accent1"/>
+    </dgm:linClrLst>
+    <dgm:effectClrLst/>
+    <dgm:txLinClrLst/>
+    <dgm:txFillClrLst meth="repeat">
+      <a:schemeClr val="dk1"/>
+    </dgm:txFillClrLst>
+    <dgm:txEffectClrLst/>
+  </dgm:styleLbl>
+  <dgm:styleLbl name="solidAlignAcc1">
+    <dgm:fillClrLst meth="repeat">
+      <a:schemeClr val="lt1"/>
+    </dgm:fillClrLst>
+    <dgm:linClrLst meth="repeat">
+      <a:schemeClr val="accent1"/>
+    </dgm:linClrLst>
+    <dgm:effectClrLst/>
+    <dgm:txLinClrLst/>
+    <dgm:txFillClrLst meth="repeat">
+      <a:schemeClr val="dk1"/>
+    </dgm:txFillClrLst>
+    <dgm:txEffectClrLst/>
+  </dgm:styleLbl>
+  <dgm:styleLbl name="solidBgAcc1">
+    <dgm:fillClrLst meth="repeat">
+      <a:schemeClr val="lt1"/>
+    </dgm:fillClrLst>
+    <dgm:linClrLst meth="repeat">
+      <a:schemeClr val="accent1"/>
+    </dgm:linClrLst>
+    <dgm:effectClrLst/>
+    <dgm:txLinClrLst/>
+    <dgm:txFillClrLst meth="repeat">
+      <a:schemeClr val="dk1"/>
+    </dgm:txFillClrLst>
+    <dgm:txEffectClrLst/>
+  </dgm:styleLbl>
+  <dgm:styleLbl name="fgAccFollowNode1">
+    <dgm:fillClrLst meth="repeat">
+      <a:schemeClr val="accent1">
+        <a:alpha val="90000"/>
+        <a:tint val="40000"/>
+      </a:schemeClr>
+    </dgm:fillClrLst>
+    <dgm:linClrLst meth="repeat">
+      <a:schemeClr val="accent1">
+        <a:alpha val="90000"/>
+        <a:tint val="40000"/>
+      </a:schemeClr>
+    </dgm:linClrLst>
+    <dgm:effectClrLst/>
+    <dgm:txLinClrLst/>
+    <dgm:txFillClrLst meth="repeat">
+      <a:schemeClr val="dk1"/>
+    </dgm:txFillClrLst>
+    <dgm:txEffectClrLst/>
+  </dgm:styleLbl>
+  <dgm:styleLbl name="alignAccFollowNode1">
+    <dgm:fillClrLst meth="repeat">
+      <a:schemeClr val="accent1">
+        <a:alpha val="90000"/>
+        <a:tint val="40000"/>
+      </a:schemeClr>
+    </dgm:fillClrLst>
+    <dgm:linClrLst meth="repeat">
+      <a:schemeClr val="accent1">
+        <a:alpha val="90000"/>
+        <a:tint val="40000"/>
+      </a:schemeClr>
+    </dgm:linClrLst>
+    <dgm:effectClrLst/>
+    <dgm:txLinClrLst/>
+    <dgm:txFillClrLst meth="repeat">
+      <a:schemeClr val="dk1"/>
+    </dgm:txFillClrLst>
+    <dgm:txEffectClrLst/>
+  </dgm:styleLbl>
+  <dgm:styleLbl name="bgAccFollowNode1">
+    <dgm:fillClrLst meth="repeat">
+      <a:schemeClr val="accent1">
+        <a:alpha val="90000"/>
+        <a:tint val="40000"/>
+      </a:schemeClr>
+    </dgm:fillClrLst>
+    <dgm:linClrLst meth="repeat">
+      <a:schemeClr val="accent1">
+        <a:alpha val="90000"/>
+        <a:tint val="40000"/>
+      </a:schemeClr>
+    </dgm:linClrLst>
+    <dgm:effectClrLst/>
+    <dgm:txLinClrLst/>
+    <dgm:txFillClrLst meth="repeat">
+      <a:schemeClr val="dk1"/>
+    </dgm:txFillClrLst>
+    <dgm:txEffectClrLst/>
+  </dgm:styleLbl>
+  <dgm:styleLbl name="fgAcc0">
+    <dgm:fillClrLst meth="repeat">
+      <a:schemeClr val="lt1">
+        <a:alpha val="90000"/>
+      </a:schemeClr>
+    </dgm:fillClrLst>
+    <dgm:linClrLst meth="repeat">
+      <a:schemeClr val="accent1"/>
+    </dgm:linClrLst>
+    <dgm:effectClrLst/>
+    <dgm:txLinClrLst/>
+    <dgm:txFillClrLst meth="repeat">
+      <a:schemeClr val="dk1"/>
+    </dgm:txFillClrLst>
+    <dgm:txEffectClrLst/>
+  </dgm:styleLbl>
+  <dgm:styleLbl name="fgAcc2">
+    <dgm:fillClrLst meth="repeat">
+      <a:schemeClr val="lt1">
+        <a:alpha val="90000"/>
+      </a:schemeClr>
+    </dgm:fillClrLst>
+    <dgm:linClrLst meth="repeat">
+      <a:schemeClr val="accent1"/>
+    </dgm:linClrLst>
+    <dgm:effectClrLst/>
+    <dgm:txLinClrLst/>
+    <dgm:txFillClrLst meth="repeat">
+      <a:schemeClr val="dk1"/>
+    </dgm:txFillClrLst>
+    <dgm:txEffectClrLst/>
+  </dgm:styleLbl>
+  <dgm:styleLbl name="fgAcc3">
+    <dgm:fillClrLst meth="repeat">
+      <a:schemeClr val="lt1">
+        <a:alpha val="90000"/>
+      </a:schemeClr>
+    </dgm:fillClrLst>
+    <dgm:linClrLst meth="repeat">
+      <a:schemeClr val="accent1"/>
+    </dgm:linClrLst>
+    <dgm:effectClrLst/>
+    <dgm:txLinClrLst/>
+    <dgm:txFillClrLst meth="repeat">
+      <a:schemeClr val="dk1"/>
+    </dgm:txFillClrLst>
+    <dgm:txEffectClrLst/>
+  </dgm:styleLbl>
+  <dgm:styleLbl name="fgAcc4">
+    <dgm:fillClrLst meth="repeat">
+      <a:schemeClr val="lt1">
+        <a:alpha val="90000"/>
+      </a:schemeClr>
+    </dgm:fillClrLst>
+    <dgm:linClrLst meth="repeat">
+      <a:schemeClr val="accent1"/>
+    </dgm:linClrLst>
+    <dgm:effectClrLst/>
+    <dgm:txLinClrLst/>
+    <dgm:txFillClrLst meth="repeat">
+      <a:schemeClr val="dk1"/>
+    </dgm:txFillClrLst>
+    <dgm:txEffectClrLst/>
+  </dgm:styleLbl>
+  <dgm:styleLbl name="bgShp">
+    <dgm:fillClrLst meth="repeat">
+      <a:schemeClr val="accent1">
+        <a:tint val="40000"/>
+      </a:schemeClr>
+    </dgm:fillClrLst>
+    <dgm:linClrLst meth="repeat">
+      <a:schemeClr val="accent1"/>
+    </dgm:linClrLst>
+    <dgm:effectClrLst/>
+    <dgm:txLinClrLst/>
+    <dgm:txFillClrLst meth="repeat">
+      <a:schemeClr val="dk1"/>
+    </dgm:txFillClrLst>
+    <dgm:txEffectClrLst/>
+  </dgm:styleLbl>
+  <dgm:styleLbl name="dkBgShp">
+    <dgm:fillClrLst meth="repeat">
+      <a:schemeClr val="accent1">
+        <a:shade val="80000"/>
+      </a:schemeClr>
+    </dgm:fillClrLst>
+    <dgm:linClrLst meth="repeat">
+      <a:schemeClr val="accent1"/>
+    </dgm:linClrLst>
+    <dgm:effectClrLst/>
+    <dgm:txLinClrLst/>
+    <dgm:txFillClrLst meth="repeat">
+      <a:schemeClr val="lt1"/>
+    </dgm:txFillClrLst>
+    <dgm:txEffectClrLst/>
+  </dgm:styleLbl>
+  <dgm:styleLbl name="trBgShp">
+    <dgm:fillClrLst meth="repeat">
+      <a:schemeClr val="accent1">
+        <a:tint val="50000"/>
+        <a:alpha val="40000"/>
+      </a:schemeClr>
+    </dgm:fillClrLst>
+    <dgm:linClrLst meth="repeat">
+      <a:schemeClr val="accent1"/>
+    </dgm:linClrLst>
+    <dgm:effectClrLst/>
+    <dgm:txLinClrLst/>
+    <dgm:txFillClrLst meth="repeat">
+      <a:schemeClr val="lt1"/>
+    </dgm:txFillClrLst>
+    <dgm:txEffectClrLst/>
+  </dgm:styleLbl>
+  <dgm:styleLbl name="fgShp">
+    <dgm:fillClrLst meth="repeat">
+      <a:schemeClr val="accent1">
+        <a:tint val="60000"/>
       </a:schemeClr>
     </dgm:fillClrLst>
     <dgm:linClrLst meth="repeat">
@@ -3582,7 +4337,7 @@
           </a:pPr>
           <a:r>
             <a:rPr lang="en-US" dirty="0"/>
-            <a:t>There are following 6 types of creational design patterns </a:t>
+            <a:t>There are following 5 types of creational design patterns </a:t>
           </a:r>
         </a:p>
       </dgm:t>
@@ -4750,6 +5505,454 @@
 </dgm:dataModel>
 </file>
 
+<file path=ppt/diagrams/data5.xml><?xml version="1.0" encoding="utf-8"?>
+<dgm:dataModel xmlns:dgm="http://schemas.openxmlformats.org/drawingml/2006/diagram" xmlns:a="http://schemas.openxmlformats.org/drawingml/2006/main">
+  <dgm:ptLst>
+    <dgm:pt modelId="{2C8DFF7E-CCED-461A-B4C8-A3E5CE8DB131}" type="doc">
+      <dgm:prSet loTypeId="urn:microsoft.com/office/officeart/2018/2/layout/IconVerticalSolidList" loCatId="icon" qsTypeId="urn:microsoft.com/office/officeart/2005/8/quickstyle/simple1" qsCatId="simple" csTypeId="urn:microsoft.com/office/officeart/2005/8/colors/accent1_2" csCatId="accent1" phldr="1"/>
+      <dgm:spPr/>
+      <dgm:t>
+        <a:bodyPr/>
+        <a:lstStyle/>
+        <a:p>
+          <a:endParaRPr lang="en-US"/>
+        </a:p>
+      </dgm:t>
+    </dgm:pt>
+    <dgm:pt modelId="{76BDBC12-12EE-42D6-8798-E4A0C1F9E865}">
+      <dgm:prSet/>
+      <dgm:spPr/>
+      <dgm:t>
+        <a:bodyPr/>
+        <a:lstStyle/>
+        <a:p>
+          <a:pPr>
+            <a:lnSpc>
+              <a:spcPct val="100000"/>
+            </a:lnSpc>
+          </a:pPr>
+          <a:r>
+            <a:rPr lang="en-US" b="1" i="0"/>
+            <a:t>Product – </a:t>
+          </a:r>
+          <a:r>
+            <a:rPr lang="en-US" b="0" i="0"/>
+            <a:t>The product class defines the type of the complex object that is to be generated by the builder pattern.</a:t>
+          </a:r>
+          <a:endParaRPr lang="en-US"/>
+        </a:p>
+      </dgm:t>
+    </dgm:pt>
+    <dgm:pt modelId="{9F46114E-B65D-40AC-88F7-21F49BB0E9A5}" type="parTrans" cxnId="{7A19EE22-0ABD-4411-81E4-87A475A65FA6}">
+      <dgm:prSet/>
+      <dgm:spPr/>
+      <dgm:t>
+        <a:bodyPr/>
+        <a:lstStyle/>
+        <a:p>
+          <a:endParaRPr lang="en-US"/>
+        </a:p>
+      </dgm:t>
+    </dgm:pt>
+    <dgm:pt modelId="{D546730A-ECDE-4CF0-AE18-515F66D34E94}" type="sibTrans" cxnId="{7A19EE22-0ABD-4411-81E4-87A475A65FA6}">
+      <dgm:prSet/>
+      <dgm:spPr/>
+      <dgm:t>
+        <a:bodyPr/>
+        <a:lstStyle/>
+        <a:p>
+          <a:endParaRPr lang="en-US"/>
+        </a:p>
+      </dgm:t>
+    </dgm:pt>
+    <dgm:pt modelId="{6E936881-9BAC-47B8-8077-2D0FF4A9599E}">
+      <dgm:prSet/>
+      <dgm:spPr/>
+      <dgm:t>
+        <a:bodyPr/>
+        <a:lstStyle/>
+        <a:p>
+          <a:pPr>
+            <a:lnSpc>
+              <a:spcPct val="100000"/>
+            </a:lnSpc>
+          </a:pPr>
+          <a:r>
+            <a:rPr lang="en-US" b="1" i="0"/>
+            <a:t>Builder – </a:t>
+          </a:r>
+          <a:r>
+            <a:rPr lang="en-US" b="0" i="0"/>
+            <a:t>This abstract base class defines all of the steps that must be taken in order to correctly create a product. The builder class is often replaced with a simple interface.</a:t>
+          </a:r>
+          <a:endParaRPr lang="en-US"/>
+        </a:p>
+      </dgm:t>
+    </dgm:pt>
+    <dgm:pt modelId="{A7CC3456-7D54-49B8-BD9D-FAD74167DFB8}" type="parTrans" cxnId="{26C8240A-2B5B-43A8-AA0D-51418AAAED45}">
+      <dgm:prSet/>
+      <dgm:spPr/>
+      <dgm:t>
+        <a:bodyPr/>
+        <a:lstStyle/>
+        <a:p>
+          <a:endParaRPr lang="en-US"/>
+        </a:p>
+      </dgm:t>
+    </dgm:pt>
+    <dgm:pt modelId="{098456CE-FCE3-4E33-A798-E4D21D03A5CA}" type="sibTrans" cxnId="{26C8240A-2B5B-43A8-AA0D-51418AAAED45}">
+      <dgm:prSet/>
+      <dgm:spPr/>
+      <dgm:t>
+        <a:bodyPr/>
+        <a:lstStyle/>
+        <a:p>
+          <a:endParaRPr lang="en-US"/>
+        </a:p>
+      </dgm:t>
+    </dgm:pt>
+    <dgm:pt modelId="{78F023F8-09D7-4289-A01A-447F6FC0092D}">
+      <dgm:prSet/>
+      <dgm:spPr/>
+      <dgm:t>
+        <a:bodyPr/>
+        <a:lstStyle/>
+        <a:p>
+          <a:pPr>
+            <a:lnSpc>
+              <a:spcPct val="100000"/>
+            </a:lnSpc>
+          </a:pPr>
+          <a:r>
+            <a:rPr lang="en-US" b="1" i="0"/>
+            <a:t>Concrete Builder – </a:t>
+          </a:r>
+          <a:r>
+            <a:rPr lang="en-US" b="0" i="0"/>
+            <a:t>There may be any number of concrete builder classes inheriting from Builder. These classes contain the functionality to create a particular complex product.</a:t>
+          </a:r>
+          <a:endParaRPr lang="en-US"/>
+        </a:p>
+      </dgm:t>
+    </dgm:pt>
+    <dgm:pt modelId="{9D60CD67-084D-48F9-BDAF-D58935C93517}" type="parTrans" cxnId="{308D4354-C56A-46CD-A24F-120C2FB14268}">
+      <dgm:prSet/>
+      <dgm:spPr/>
+      <dgm:t>
+        <a:bodyPr/>
+        <a:lstStyle/>
+        <a:p>
+          <a:endParaRPr lang="en-US"/>
+        </a:p>
+      </dgm:t>
+    </dgm:pt>
+    <dgm:pt modelId="{994714CA-9767-4966-ADEA-44B7697CCD09}" type="sibTrans" cxnId="{308D4354-C56A-46CD-A24F-120C2FB14268}">
+      <dgm:prSet/>
+      <dgm:spPr/>
+      <dgm:t>
+        <a:bodyPr/>
+        <a:lstStyle/>
+        <a:p>
+          <a:endParaRPr lang="en-US"/>
+        </a:p>
+      </dgm:t>
+    </dgm:pt>
+    <dgm:pt modelId="{E80B40C3-CCC9-41B5-AFFA-B5A7EC24AF15}">
+      <dgm:prSet/>
+      <dgm:spPr/>
+      <dgm:t>
+        <a:bodyPr/>
+        <a:lstStyle/>
+        <a:p>
+          <a:pPr>
+            <a:lnSpc>
+              <a:spcPct val="100000"/>
+            </a:lnSpc>
+          </a:pPr>
+          <a:r>
+            <a:rPr lang="en-US" b="1" i="0"/>
+            <a:t>Director – </a:t>
+          </a:r>
+          <a:r>
+            <a:rPr lang="en-US" b="0" i="0"/>
+            <a:t>The director-class controls the algorithm that generates the final product object.</a:t>
+          </a:r>
+          <a:endParaRPr lang="en-US"/>
+        </a:p>
+      </dgm:t>
+    </dgm:pt>
+    <dgm:pt modelId="{9E5EEC52-2236-40FA-81D9-5ED4213244B9}" type="parTrans" cxnId="{87A4EA33-454E-441A-B7AA-4DBD23BD2946}">
+      <dgm:prSet/>
+      <dgm:spPr/>
+      <dgm:t>
+        <a:bodyPr/>
+        <a:lstStyle/>
+        <a:p>
+          <a:endParaRPr lang="en-US"/>
+        </a:p>
+      </dgm:t>
+    </dgm:pt>
+    <dgm:pt modelId="{611CA10D-70AB-4616-BCE2-586C02F53593}" type="sibTrans" cxnId="{87A4EA33-454E-441A-B7AA-4DBD23BD2946}">
+      <dgm:prSet/>
+      <dgm:spPr/>
+      <dgm:t>
+        <a:bodyPr/>
+        <a:lstStyle/>
+        <a:p>
+          <a:endParaRPr lang="en-US"/>
+        </a:p>
+      </dgm:t>
+    </dgm:pt>
+    <dgm:pt modelId="{6AC96E19-0DD7-4859-994F-22E7557D2570}" type="pres">
+      <dgm:prSet presAssocID="{2C8DFF7E-CCED-461A-B4C8-A3E5CE8DB131}" presName="root" presStyleCnt="0">
+        <dgm:presLayoutVars>
+          <dgm:dir/>
+          <dgm:resizeHandles val="exact"/>
+        </dgm:presLayoutVars>
+      </dgm:prSet>
+      <dgm:spPr/>
+    </dgm:pt>
+    <dgm:pt modelId="{00E2B77A-8321-4AF1-A481-0A236DF72DF9}" type="pres">
+      <dgm:prSet presAssocID="{76BDBC12-12EE-42D6-8798-E4A0C1F9E865}" presName="compNode" presStyleCnt="0"/>
+      <dgm:spPr/>
+    </dgm:pt>
+    <dgm:pt modelId="{6A43A114-E903-474A-9990-42DC38B2E3CA}" type="pres">
+      <dgm:prSet presAssocID="{76BDBC12-12EE-42D6-8798-E4A0C1F9E865}" presName="bgRect" presStyleLbl="bgShp" presStyleIdx="0" presStyleCnt="4"/>
+      <dgm:spPr/>
+    </dgm:pt>
+    <dgm:pt modelId="{EC6F19DC-3F09-4E7E-987F-FBD83B705BD5}" type="pres">
+      <dgm:prSet presAssocID="{76BDBC12-12EE-42D6-8798-E4A0C1F9E865}" presName="iconRect" presStyleLbl="node1" presStyleIdx="0" presStyleCnt="4"/>
+      <dgm:spPr>
+        <a:blipFill>
+          <a:blip xmlns:r="http://schemas.openxmlformats.org/officeDocument/2006/relationships" r:embed="rId1">
+            <a:extLst>
+              <a:ext uri="{28A0092B-C50C-407E-A947-70E740481C1C}">
+                <a14:useLocalDpi xmlns:a14="http://schemas.microsoft.com/office/drawing/2010/main" val="0"/>
+              </a:ext>
+              <a:ext uri="{96DAC541-7B7A-43D3-8B79-37D633B846F1}">
+                <asvg:svgBlip xmlns:asvg="http://schemas.microsoft.com/office/drawing/2016/SVG/main" r:embed="rId2"/>
+              </a:ext>
+            </a:extLst>
+          </a:blip>
+          <a:stretch>
+            <a:fillRect/>
+          </a:stretch>
+        </a:blipFill>
+      </dgm:spPr>
+      <dgm:extLst>
+        <a:ext uri="{E40237B7-FDA0-4F09-8148-C483321AD2D9}">
+          <dgm14:cNvPr xmlns:dgm14="http://schemas.microsoft.com/office/drawing/2010/diagram" id="0" name="" descr="Rooster"/>
+        </a:ext>
+      </dgm:extLst>
+    </dgm:pt>
+    <dgm:pt modelId="{15EB5E0D-AF00-423A-8B05-E836F211A38E}" type="pres">
+      <dgm:prSet presAssocID="{76BDBC12-12EE-42D6-8798-E4A0C1F9E865}" presName="spaceRect" presStyleCnt="0"/>
+      <dgm:spPr/>
+    </dgm:pt>
+    <dgm:pt modelId="{EC935F7B-D70F-469D-8559-9AED0AB20E9E}" type="pres">
+      <dgm:prSet presAssocID="{76BDBC12-12EE-42D6-8798-E4A0C1F9E865}" presName="parTx" presStyleLbl="revTx" presStyleIdx="0" presStyleCnt="4">
+        <dgm:presLayoutVars>
+          <dgm:chMax val="0"/>
+          <dgm:chPref val="0"/>
+        </dgm:presLayoutVars>
+      </dgm:prSet>
+      <dgm:spPr/>
+    </dgm:pt>
+    <dgm:pt modelId="{8CD5567E-4C63-4FAC-B13D-06B90478CB2B}" type="pres">
+      <dgm:prSet presAssocID="{D546730A-ECDE-4CF0-AE18-515F66D34E94}" presName="sibTrans" presStyleCnt="0"/>
+      <dgm:spPr/>
+    </dgm:pt>
+    <dgm:pt modelId="{3CC26CC9-B8AE-4B92-B3D5-02CED119E9A7}" type="pres">
+      <dgm:prSet presAssocID="{6E936881-9BAC-47B8-8077-2D0FF4A9599E}" presName="compNode" presStyleCnt="0"/>
+      <dgm:spPr/>
+    </dgm:pt>
+    <dgm:pt modelId="{D2D54CB8-2B95-4295-B9B1-0AF9ABB1B55D}" type="pres">
+      <dgm:prSet presAssocID="{6E936881-9BAC-47B8-8077-2D0FF4A9599E}" presName="bgRect" presStyleLbl="bgShp" presStyleIdx="1" presStyleCnt="4"/>
+      <dgm:spPr/>
+    </dgm:pt>
+    <dgm:pt modelId="{93D8EFAA-6A07-4746-BDBE-F7E84305832C}" type="pres">
+      <dgm:prSet presAssocID="{6E936881-9BAC-47B8-8077-2D0FF4A9599E}" presName="iconRect" presStyleLbl="node1" presStyleIdx="1" presStyleCnt="4"/>
+      <dgm:spPr>
+        <a:blipFill>
+          <a:blip xmlns:r="http://schemas.openxmlformats.org/officeDocument/2006/relationships" r:embed="rId3">
+            <a:extLst>
+              <a:ext uri="{28A0092B-C50C-407E-A947-70E740481C1C}">
+                <a14:useLocalDpi xmlns:a14="http://schemas.microsoft.com/office/drawing/2010/main" val="0"/>
+              </a:ext>
+              <a:ext uri="{96DAC541-7B7A-43D3-8B79-37D633B846F1}">
+                <asvg:svgBlip xmlns:asvg="http://schemas.microsoft.com/office/drawing/2016/SVG/main" r:embed="rId4"/>
+              </a:ext>
+            </a:extLst>
+          </a:blip>
+          <a:stretch>
+            <a:fillRect/>
+          </a:stretch>
+        </a:blipFill>
+      </dgm:spPr>
+      <dgm:extLst>
+        <a:ext uri="{E40237B7-FDA0-4F09-8148-C483321AD2D9}">
+          <dgm14:cNvPr xmlns:dgm14="http://schemas.microsoft.com/office/drawing/2010/diagram" id="0" name="" descr="House"/>
+        </a:ext>
+      </dgm:extLst>
+    </dgm:pt>
+    <dgm:pt modelId="{0AE739EC-FF61-42EC-A82D-AF860003A9CA}" type="pres">
+      <dgm:prSet presAssocID="{6E936881-9BAC-47B8-8077-2D0FF4A9599E}" presName="spaceRect" presStyleCnt="0"/>
+      <dgm:spPr/>
+    </dgm:pt>
+    <dgm:pt modelId="{5D91F9F2-12FF-41A4-ACA5-FF556B864368}" type="pres">
+      <dgm:prSet presAssocID="{6E936881-9BAC-47B8-8077-2D0FF4A9599E}" presName="parTx" presStyleLbl="revTx" presStyleIdx="1" presStyleCnt="4">
+        <dgm:presLayoutVars>
+          <dgm:chMax val="0"/>
+          <dgm:chPref val="0"/>
+        </dgm:presLayoutVars>
+      </dgm:prSet>
+      <dgm:spPr/>
+    </dgm:pt>
+    <dgm:pt modelId="{6723E8C8-88D2-41F0-A2D4-6487A55A0BDF}" type="pres">
+      <dgm:prSet presAssocID="{098456CE-FCE3-4E33-A798-E4D21D03A5CA}" presName="sibTrans" presStyleCnt="0"/>
+      <dgm:spPr/>
+    </dgm:pt>
+    <dgm:pt modelId="{2785BE08-8801-4006-8829-CE5F3B1D8851}" type="pres">
+      <dgm:prSet presAssocID="{78F023F8-09D7-4289-A01A-447F6FC0092D}" presName="compNode" presStyleCnt="0"/>
+      <dgm:spPr/>
+    </dgm:pt>
+    <dgm:pt modelId="{5DA7CE10-3BA1-4204-B887-F56885DAB00D}" type="pres">
+      <dgm:prSet presAssocID="{78F023F8-09D7-4289-A01A-447F6FC0092D}" presName="bgRect" presStyleLbl="bgShp" presStyleIdx="2" presStyleCnt="4"/>
+      <dgm:spPr/>
+    </dgm:pt>
+    <dgm:pt modelId="{A3ED3DF3-42FB-424B-9418-F8E0289E048E}" type="pres">
+      <dgm:prSet presAssocID="{78F023F8-09D7-4289-A01A-447F6FC0092D}" presName="iconRect" presStyleLbl="node1" presStyleIdx="2" presStyleCnt="4"/>
+      <dgm:spPr>
+        <a:blipFill>
+          <a:blip xmlns:r="http://schemas.openxmlformats.org/officeDocument/2006/relationships" r:embed="rId5">
+            <a:extLst>
+              <a:ext uri="{28A0092B-C50C-407E-A947-70E740481C1C}">
+                <a14:useLocalDpi xmlns:a14="http://schemas.microsoft.com/office/drawing/2010/main" val="0"/>
+              </a:ext>
+              <a:ext uri="{96DAC541-7B7A-43D3-8B79-37D633B846F1}">
+                <asvg:svgBlip xmlns:asvg="http://schemas.microsoft.com/office/drawing/2016/SVG/main" r:embed="rId6"/>
+              </a:ext>
+            </a:extLst>
+          </a:blip>
+          <a:stretch>
+            <a:fillRect/>
+          </a:stretch>
+        </a:blipFill>
+      </dgm:spPr>
+      <dgm:extLst>
+        <a:ext uri="{E40237B7-FDA0-4F09-8148-C483321AD2D9}">
+          <dgm14:cNvPr xmlns:dgm14="http://schemas.microsoft.com/office/drawing/2010/diagram" id="0" name="" descr="Cement truck"/>
+        </a:ext>
+      </dgm:extLst>
+    </dgm:pt>
+    <dgm:pt modelId="{1BA83C37-14A0-4379-88CF-96E8C54047E2}" type="pres">
+      <dgm:prSet presAssocID="{78F023F8-09D7-4289-A01A-447F6FC0092D}" presName="spaceRect" presStyleCnt="0"/>
+      <dgm:spPr/>
+    </dgm:pt>
+    <dgm:pt modelId="{F93D76DF-6CB1-4D73-B5C5-392E57AD7166}" type="pres">
+      <dgm:prSet presAssocID="{78F023F8-09D7-4289-A01A-447F6FC0092D}" presName="parTx" presStyleLbl="revTx" presStyleIdx="2" presStyleCnt="4">
+        <dgm:presLayoutVars>
+          <dgm:chMax val="0"/>
+          <dgm:chPref val="0"/>
+        </dgm:presLayoutVars>
+      </dgm:prSet>
+      <dgm:spPr/>
+    </dgm:pt>
+    <dgm:pt modelId="{4C4C49A5-3389-4E9D-9233-17EDFF049044}" type="pres">
+      <dgm:prSet presAssocID="{994714CA-9767-4966-ADEA-44B7697CCD09}" presName="sibTrans" presStyleCnt="0"/>
+      <dgm:spPr/>
+    </dgm:pt>
+    <dgm:pt modelId="{6DBEB03C-78AA-412A-B85C-907477039D32}" type="pres">
+      <dgm:prSet presAssocID="{E80B40C3-CCC9-41B5-AFFA-B5A7EC24AF15}" presName="compNode" presStyleCnt="0"/>
+      <dgm:spPr/>
+    </dgm:pt>
+    <dgm:pt modelId="{46D89ADD-BFD8-4AAD-80E1-A62CC2D0466F}" type="pres">
+      <dgm:prSet presAssocID="{E80B40C3-CCC9-41B5-AFFA-B5A7EC24AF15}" presName="bgRect" presStyleLbl="bgShp" presStyleIdx="3" presStyleCnt="4"/>
+      <dgm:spPr/>
+    </dgm:pt>
+    <dgm:pt modelId="{DCC741D9-B894-4D0F-B371-6E101508A194}" type="pres">
+      <dgm:prSet presAssocID="{E80B40C3-CCC9-41B5-AFFA-B5A7EC24AF15}" presName="iconRect" presStyleLbl="node1" presStyleIdx="3" presStyleCnt="4"/>
+      <dgm:spPr>
+        <a:blipFill>
+          <a:blip xmlns:r="http://schemas.openxmlformats.org/officeDocument/2006/relationships" r:embed="rId7">
+            <a:extLst>
+              <a:ext uri="{28A0092B-C50C-407E-A947-70E740481C1C}">
+                <a14:useLocalDpi xmlns:a14="http://schemas.microsoft.com/office/drawing/2010/main" val="0"/>
+              </a:ext>
+              <a:ext uri="{96DAC541-7B7A-43D3-8B79-37D633B846F1}">
+                <asvg:svgBlip xmlns:asvg="http://schemas.microsoft.com/office/drawing/2016/SVG/main" r:embed="rId8"/>
+              </a:ext>
+            </a:extLst>
+          </a:blip>
+          <a:stretch>
+            <a:fillRect/>
+          </a:stretch>
+        </a:blipFill>
+      </dgm:spPr>
+      <dgm:extLst>
+        <a:ext uri="{E40237B7-FDA0-4F09-8148-C483321AD2D9}">
+          <dgm14:cNvPr xmlns:dgm14="http://schemas.microsoft.com/office/drawing/2010/diagram" id="0" name="" descr="Programmer"/>
+        </a:ext>
+      </dgm:extLst>
+    </dgm:pt>
+    <dgm:pt modelId="{B3EE349A-DC98-45F2-877D-38316488F341}" type="pres">
+      <dgm:prSet presAssocID="{E80B40C3-CCC9-41B5-AFFA-B5A7EC24AF15}" presName="spaceRect" presStyleCnt="0"/>
+      <dgm:spPr/>
+    </dgm:pt>
+    <dgm:pt modelId="{D50A8BE8-4F35-43FB-A7B5-471C778E9CD8}" type="pres">
+      <dgm:prSet presAssocID="{E80B40C3-CCC9-41B5-AFFA-B5A7EC24AF15}" presName="parTx" presStyleLbl="revTx" presStyleIdx="3" presStyleCnt="4">
+        <dgm:presLayoutVars>
+          <dgm:chMax val="0"/>
+          <dgm:chPref val="0"/>
+        </dgm:presLayoutVars>
+      </dgm:prSet>
+      <dgm:spPr/>
+    </dgm:pt>
+  </dgm:ptLst>
+  <dgm:cxnLst>
+    <dgm:cxn modelId="{7BA60603-7BCC-40A9-BCE1-92BE2755AAEB}" type="presOf" srcId="{2C8DFF7E-CCED-461A-B4C8-A3E5CE8DB131}" destId="{6AC96E19-0DD7-4859-994F-22E7557D2570}" srcOrd="0" destOrd="0" presId="urn:microsoft.com/office/officeart/2018/2/layout/IconVerticalSolidList"/>
+    <dgm:cxn modelId="{26C8240A-2B5B-43A8-AA0D-51418AAAED45}" srcId="{2C8DFF7E-CCED-461A-B4C8-A3E5CE8DB131}" destId="{6E936881-9BAC-47B8-8077-2D0FF4A9599E}" srcOrd="1" destOrd="0" parTransId="{A7CC3456-7D54-49B8-BD9D-FAD74167DFB8}" sibTransId="{098456CE-FCE3-4E33-A798-E4D21D03A5CA}"/>
+    <dgm:cxn modelId="{2A368F1C-97CC-4115-8272-9C7840F3A95B}" type="presOf" srcId="{6E936881-9BAC-47B8-8077-2D0FF4A9599E}" destId="{5D91F9F2-12FF-41A4-ACA5-FF556B864368}" srcOrd="0" destOrd="0" presId="urn:microsoft.com/office/officeart/2018/2/layout/IconVerticalSolidList"/>
+    <dgm:cxn modelId="{7A19EE22-0ABD-4411-81E4-87A475A65FA6}" srcId="{2C8DFF7E-CCED-461A-B4C8-A3E5CE8DB131}" destId="{76BDBC12-12EE-42D6-8798-E4A0C1F9E865}" srcOrd="0" destOrd="0" parTransId="{9F46114E-B65D-40AC-88F7-21F49BB0E9A5}" sibTransId="{D546730A-ECDE-4CF0-AE18-515F66D34E94}"/>
+    <dgm:cxn modelId="{87A4EA33-454E-441A-B7AA-4DBD23BD2946}" srcId="{2C8DFF7E-CCED-461A-B4C8-A3E5CE8DB131}" destId="{E80B40C3-CCC9-41B5-AFFA-B5A7EC24AF15}" srcOrd="3" destOrd="0" parTransId="{9E5EEC52-2236-40FA-81D9-5ED4213244B9}" sibTransId="{611CA10D-70AB-4616-BCE2-586C02F53593}"/>
+    <dgm:cxn modelId="{73AF2438-1388-4AE6-8AAE-B75662AA2717}" type="presOf" srcId="{76BDBC12-12EE-42D6-8798-E4A0C1F9E865}" destId="{EC935F7B-D70F-469D-8559-9AED0AB20E9E}" srcOrd="0" destOrd="0" presId="urn:microsoft.com/office/officeart/2018/2/layout/IconVerticalSolidList"/>
+    <dgm:cxn modelId="{308D4354-C56A-46CD-A24F-120C2FB14268}" srcId="{2C8DFF7E-CCED-461A-B4C8-A3E5CE8DB131}" destId="{78F023F8-09D7-4289-A01A-447F6FC0092D}" srcOrd="2" destOrd="0" parTransId="{9D60CD67-084D-48F9-BDAF-D58935C93517}" sibTransId="{994714CA-9767-4966-ADEA-44B7697CCD09}"/>
+    <dgm:cxn modelId="{FDA65CDF-C66A-44C8-B45B-1AE76741D380}" type="presOf" srcId="{78F023F8-09D7-4289-A01A-447F6FC0092D}" destId="{F93D76DF-6CB1-4D73-B5C5-392E57AD7166}" srcOrd="0" destOrd="0" presId="urn:microsoft.com/office/officeart/2018/2/layout/IconVerticalSolidList"/>
+    <dgm:cxn modelId="{43CC7DFC-0399-4AEC-B3B2-28EF7D2C5A81}" type="presOf" srcId="{E80B40C3-CCC9-41B5-AFFA-B5A7EC24AF15}" destId="{D50A8BE8-4F35-43FB-A7B5-471C778E9CD8}" srcOrd="0" destOrd="0" presId="urn:microsoft.com/office/officeart/2018/2/layout/IconVerticalSolidList"/>
+    <dgm:cxn modelId="{58A29BD3-DAE7-41DF-9A8F-0C278B855924}" type="presParOf" srcId="{6AC96E19-0DD7-4859-994F-22E7557D2570}" destId="{00E2B77A-8321-4AF1-A481-0A236DF72DF9}" srcOrd="0" destOrd="0" presId="urn:microsoft.com/office/officeart/2018/2/layout/IconVerticalSolidList"/>
+    <dgm:cxn modelId="{06D8BD71-41D3-4A35-862C-E44B8E91DD8D}" type="presParOf" srcId="{00E2B77A-8321-4AF1-A481-0A236DF72DF9}" destId="{6A43A114-E903-474A-9990-42DC38B2E3CA}" srcOrd="0" destOrd="0" presId="urn:microsoft.com/office/officeart/2018/2/layout/IconVerticalSolidList"/>
+    <dgm:cxn modelId="{71AF018E-C60E-4219-ADDE-9DE433D58FD3}" type="presParOf" srcId="{00E2B77A-8321-4AF1-A481-0A236DF72DF9}" destId="{EC6F19DC-3F09-4E7E-987F-FBD83B705BD5}" srcOrd="1" destOrd="0" presId="urn:microsoft.com/office/officeart/2018/2/layout/IconVerticalSolidList"/>
+    <dgm:cxn modelId="{140D13EA-A362-4B67-9D1D-B8E9BB707581}" type="presParOf" srcId="{00E2B77A-8321-4AF1-A481-0A236DF72DF9}" destId="{15EB5E0D-AF00-423A-8B05-E836F211A38E}" srcOrd="2" destOrd="0" presId="urn:microsoft.com/office/officeart/2018/2/layout/IconVerticalSolidList"/>
+    <dgm:cxn modelId="{2691E089-77C4-45DC-9385-5EE33D2066F4}" type="presParOf" srcId="{00E2B77A-8321-4AF1-A481-0A236DF72DF9}" destId="{EC935F7B-D70F-469D-8559-9AED0AB20E9E}" srcOrd="3" destOrd="0" presId="urn:microsoft.com/office/officeart/2018/2/layout/IconVerticalSolidList"/>
+    <dgm:cxn modelId="{E940AC0E-B878-4DAE-8463-C14731DA8DC2}" type="presParOf" srcId="{6AC96E19-0DD7-4859-994F-22E7557D2570}" destId="{8CD5567E-4C63-4FAC-B13D-06B90478CB2B}" srcOrd="1" destOrd="0" presId="urn:microsoft.com/office/officeart/2018/2/layout/IconVerticalSolidList"/>
+    <dgm:cxn modelId="{BDEA0DC4-08DE-4F05-9A63-09480C6C5B13}" type="presParOf" srcId="{6AC96E19-0DD7-4859-994F-22E7557D2570}" destId="{3CC26CC9-B8AE-4B92-B3D5-02CED119E9A7}" srcOrd="2" destOrd="0" presId="urn:microsoft.com/office/officeart/2018/2/layout/IconVerticalSolidList"/>
+    <dgm:cxn modelId="{D13F91AC-46A7-4C01-8CC7-1C41763A6DD7}" type="presParOf" srcId="{3CC26CC9-B8AE-4B92-B3D5-02CED119E9A7}" destId="{D2D54CB8-2B95-4295-B9B1-0AF9ABB1B55D}" srcOrd="0" destOrd="0" presId="urn:microsoft.com/office/officeart/2018/2/layout/IconVerticalSolidList"/>
+    <dgm:cxn modelId="{F21199C0-67A5-4E46-84A6-3939FF613366}" type="presParOf" srcId="{3CC26CC9-B8AE-4B92-B3D5-02CED119E9A7}" destId="{93D8EFAA-6A07-4746-BDBE-F7E84305832C}" srcOrd="1" destOrd="0" presId="urn:microsoft.com/office/officeart/2018/2/layout/IconVerticalSolidList"/>
+    <dgm:cxn modelId="{C3026DE2-8314-459D-8E62-1F0766BCFA1B}" type="presParOf" srcId="{3CC26CC9-B8AE-4B92-B3D5-02CED119E9A7}" destId="{0AE739EC-FF61-42EC-A82D-AF860003A9CA}" srcOrd="2" destOrd="0" presId="urn:microsoft.com/office/officeart/2018/2/layout/IconVerticalSolidList"/>
+    <dgm:cxn modelId="{DB09155A-1701-47F3-BBCA-5099B3FAACE3}" type="presParOf" srcId="{3CC26CC9-B8AE-4B92-B3D5-02CED119E9A7}" destId="{5D91F9F2-12FF-41A4-ACA5-FF556B864368}" srcOrd="3" destOrd="0" presId="urn:microsoft.com/office/officeart/2018/2/layout/IconVerticalSolidList"/>
+    <dgm:cxn modelId="{11E6DFCD-7FFB-466A-B076-EA55D4A83A41}" type="presParOf" srcId="{6AC96E19-0DD7-4859-994F-22E7557D2570}" destId="{6723E8C8-88D2-41F0-A2D4-6487A55A0BDF}" srcOrd="3" destOrd="0" presId="urn:microsoft.com/office/officeart/2018/2/layout/IconVerticalSolidList"/>
+    <dgm:cxn modelId="{0D554DC9-873C-4056-95A8-1F97E8C18386}" type="presParOf" srcId="{6AC96E19-0DD7-4859-994F-22E7557D2570}" destId="{2785BE08-8801-4006-8829-CE5F3B1D8851}" srcOrd="4" destOrd="0" presId="urn:microsoft.com/office/officeart/2018/2/layout/IconVerticalSolidList"/>
+    <dgm:cxn modelId="{FCD70577-087D-4ECF-BC3A-354761E9EFC6}" type="presParOf" srcId="{2785BE08-8801-4006-8829-CE5F3B1D8851}" destId="{5DA7CE10-3BA1-4204-B887-F56885DAB00D}" srcOrd="0" destOrd="0" presId="urn:microsoft.com/office/officeart/2018/2/layout/IconVerticalSolidList"/>
+    <dgm:cxn modelId="{EE76AF17-0A8F-4F93-8768-D202FE585E61}" type="presParOf" srcId="{2785BE08-8801-4006-8829-CE5F3B1D8851}" destId="{A3ED3DF3-42FB-424B-9418-F8E0289E048E}" srcOrd="1" destOrd="0" presId="urn:microsoft.com/office/officeart/2018/2/layout/IconVerticalSolidList"/>
+    <dgm:cxn modelId="{9B7649C4-11CC-4120-9C69-DBE9754ACEE1}" type="presParOf" srcId="{2785BE08-8801-4006-8829-CE5F3B1D8851}" destId="{1BA83C37-14A0-4379-88CF-96E8C54047E2}" srcOrd="2" destOrd="0" presId="urn:microsoft.com/office/officeart/2018/2/layout/IconVerticalSolidList"/>
+    <dgm:cxn modelId="{BA807EB1-1677-41F8-A2C4-6869353ABF0E}" type="presParOf" srcId="{2785BE08-8801-4006-8829-CE5F3B1D8851}" destId="{F93D76DF-6CB1-4D73-B5C5-392E57AD7166}" srcOrd="3" destOrd="0" presId="urn:microsoft.com/office/officeart/2018/2/layout/IconVerticalSolidList"/>
+    <dgm:cxn modelId="{25DF548F-BB50-4ADA-8B53-8DB0DD6E36E7}" type="presParOf" srcId="{6AC96E19-0DD7-4859-994F-22E7557D2570}" destId="{4C4C49A5-3389-4E9D-9233-17EDFF049044}" srcOrd="5" destOrd="0" presId="urn:microsoft.com/office/officeart/2018/2/layout/IconVerticalSolidList"/>
+    <dgm:cxn modelId="{64F3B7EC-6919-4B77-9255-22578B38AB0F}" type="presParOf" srcId="{6AC96E19-0DD7-4859-994F-22E7557D2570}" destId="{6DBEB03C-78AA-412A-B85C-907477039D32}" srcOrd="6" destOrd="0" presId="urn:microsoft.com/office/officeart/2018/2/layout/IconVerticalSolidList"/>
+    <dgm:cxn modelId="{FF5B3F2E-1E55-48EB-96FE-4877AE306AD9}" type="presParOf" srcId="{6DBEB03C-78AA-412A-B85C-907477039D32}" destId="{46D89ADD-BFD8-4AAD-80E1-A62CC2D0466F}" srcOrd="0" destOrd="0" presId="urn:microsoft.com/office/officeart/2018/2/layout/IconVerticalSolidList"/>
+    <dgm:cxn modelId="{0E1F0E20-4875-4FB4-ADC2-2E09347177D8}" type="presParOf" srcId="{6DBEB03C-78AA-412A-B85C-907477039D32}" destId="{DCC741D9-B894-4D0F-B371-6E101508A194}" srcOrd="1" destOrd="0" presId="urn:microsoft.com/office/officeart/2018/2/layout/IconVerticalSolidList"/>
+    <dgm:cxn modelId="{F5F419F1-C31A-4C6C-AAD2-ABE464CB8833}" type="presParOf" srcId="{6DBEB03C-78AA-412A-B85C-907477039D32}" destId="{B3EE349A-DC98-45F2-877D-38316488F341}" srcOrd="2" destOrd="0" presId="urn:microsoft.com/office/officeart/2018/2/layout/IconVerticalSolidList"/>
+    <dgm:cxn modelId="{39D74E13-36DC-4654-851A-660D85A587FD}" type="presParOf" srcId="{6DBEB03C-78AA-412A-B85C-907477039D32}" destId="{D50A8BE8-4F35-43FB-A7B5-471C778E9CD8}" srcOrd="3" destOrd="0" presId="urn:microsoft.com/office/officeart/2018/2/layout/IconVerticalSolidList"/>
+  </dgm:cxnLst>
+  <dgm:bg/>
+  <dgm:whole/>
+  <dgm:extLst>
+    <a:ext uri="http://schemas.microsoft.com/office/drawing/2008/diagram">
+      <dsp:dataModelExt xmlns:dsp="http://schemas.microsoft.com/office/drawing/2008/diagram" relId="rId6" minVer="http://schemas.openxmlformats.org/drawingml/2006/diagram"/>
+    </a:ext>
+  </dgm:extLst>
+</dgm:dataModel>
+</file>
+
 <file path=ppt/diagrams/drawing1.xml><?xml version="1.0" encoding="utf-8"?>
 <dsp:drawing xmlns:dgm="http://schemas.openxmlformats.org/drawingml/2006/diagram" xmlns:dsp="http://schemas.microsoft.com/office/drawing/2008/diagram" xmlns:a="http://schemas.openxmlformats.org/drawingml/2006/main">
   <dsp:spTree>
@@ -5212,7 +6415,7 @@
           </a:pPr>
           <a:r>
             <a:rPr lang="en-US" sz="1600" kern="1200" dirty="0"/>
-            <a:t>There are following 6 types of creational design patterns </a:t>
+            <a:t>There are following 5 types of creational design patterns </a:t>
           </a:r>
         </a:p>
       </dsp:txBody>
@@ -6318,6 +7521,670 @@
 </dsp:drawing>
 </file>
 
+<file path=ppt/diagrams/drawing5.xml><?xml version="1.0" encoding="utf-8"?>
+<dsp:drawing xmlns:dgm="http://schemas.openxmlformats.org/drawingml/2006/diagram" xmlns:dsp="http://schemas.microsoft.com/office/drawing/2008/diagram" xmlns:a="http://schemas.openxmlformats.org/drawingml/2006/main">
+  <dsp:spTree>
+    <dsp:nvGrpSpPr>
+      <dsp:cNvPr id="0" name=""/>
+      <dsp:cNvGrpSpPr/>
+    </dsp:nvGrpSpPr>
+    <dsp:grpSpPr/>
+    <dsp:sp modelId="{6A43A114-E903-474A-9990-42DC38B2E3CA}">
+      <dsp:nvSpPr>
+        <dsp:cNvPr id="0" name=""/>
+        <dsp:cNvSpPr/>
+      </dsp:nvSpPr>
+      <dsp:spPr>
+        <a:xfrm>
+          <a:off x="0" y="1724"/>
+          <a:ext cx="10039350" cy="874007"/>
+        </a:xfrm>
+        <a:prstGeom prst="roundRect">
+          <a:avLst>
+            <a:gd name="adj" fmla="val 10000"/>
+          </a:avLst>
+        </a:prstGeom>
+        <a:solidFill>
+          <a:schemeClr val="accent1">
+            <a:tint val="40000"/>
+            <a:hueOff val="0"/>
+            <a:satOff val="0"/>
+            <a:lumOff val="0"/>
+            <a:alphaOff val="0"/>
+          </a:schemeClr>
+        </a:solidFill>
+        <a:ln>
+          <a:noFill/>
+        </a:ln>
+        <a:effectLst/>
+      </dsp:spPr>
+      <dsp:style>
+        <a:lnRef idx="0">
+          <a:scrgbClr r="0" g="0" b="0"/>
+        </a:lnRef>
+        <a:fillRef idx="1">
+          <a:scrgbClr r="0" g="0" b="0"/>
+        </a:fillRef>
+        <a:effectRef idx="0">
+          <a:scrgbClr r="0" g="0" b="0"/>
+        </a:effectRef>
+        <a:fontRef idx="minor"/>
+      </dsp:style>
+    </dsp:sp>
+    <dsp:sp modelId="{EC6F19DC-3F09-4E7E-987F-FBD83B705BD5}">
+      <dsp:nvSpPr>
+        <dsp:cNvPr id="0" name=""/>
+        <dsp:cNvSpPr/>
+      </dsp:nvSpPr>
+      <dsp:spPr>
+        <a:xfrm>
+          <a:off x="264387" y="198376"/>
+          <a:ext cx="480704" cy="480704"/>
+        </a:xfrm>
+        <a:prstGeom prst="rect">
+          <a:avLst/>
+        </a:prstGeom>
+        <a:blipFill>
+          <a:blip xmlns:r="http://schemas.openxmlformats.org/officeDocument/2006/relationships" r:embed="rId1">
+            <a:extLst>
+              <a:ext uri="{28A0092B-C50C-407E-A947-70E740481C1C}">
+                <a14:useLocalDpi xmlns:a14="http://schemas.microsoft.com/office/drawing/2010/main" val="0"/>
+              </a:ext>
+              <a:ext uri="{96DAC541-7B7A-43D3-8B79-37D633B846F1}">
+                <asvg:svgBlip xmlns:asvg="http://schemas.microsoft.com/office/drawing/2016/SVG/main" r:embed="rId2"/>
+              </a:ext>
+            </a:extLst>
+          </a:blip>
+          <a:stretch>
+            <a:fillRect/>
+          </a:stretch>
+        </a:blipFill>
+        <a:ln w="15875" cap="flat" cmpd="sng" algn="ctr">
+          <a:solidFill>
+            <a:schemeClr val="lt1">
+              <a:hueOff val="0"/>
+              <a:satOff val="0"/>
+              <a:lumOff val="0"/>
+              <a:alphaOff val="0"/>
+            </a:schemeClr>
+          </a:solidFill>
+          <a:prstDash val="solid"/>
+        </a:ln>
+        <a:effectLst/>
+      </dsp:spPr>
+      <dsp:style>
+        <a:lnRef idx="2">
+          <a:scrgbClr r="0" g="0" b="0"/>
+        </a:lnRef>
+        <a:fillRef idx="1">
+          <a:scrgbClr r="0" g="0" b="0"/>
+        </a:fillRef>
+        <a:effectRef idx="0">
+          <a:scrgbClr r="0" g="0" b="0"/>
+        </a:effectRef>
+        <a:fontRef idx="minor">
+          <a:schemeClr val="lt1"/>
+        </a:fontRef>
+      </dsp:style>
+    </dsp:sp>
+    <dsp:sp modelId="{EC935F7B-D70F-469D-8559-9AED0AB20E9E}">
+      <dsp:nvSpPr>
+        <dsp:cNvPr id="0" name=""/>
+        <dsp:cNvSpPr/>
+      </dsp:nvSpPr>
+      <dsp:spPr>
+        <a:xfrm>
+          <a:off x="1009478" y="1724"/>
+          <a:ext cx="9029871" cy="874007"/>
+        </a:xfrm>
+        <a:prstGeom prst="rect">
+          <a:avLst/>
+        </a:prstGeom>
+        <a:noFill/>
+        <a:ln>
+          <a:noFill/>
+        </a:ln>
+        <a:effectLst/>
+      </dsp:spPr>
+      <dsp:style>
+        <a:lnRef idx="0">
+          <a:scrgbClr r="0" g="0" b="0"/>
+        </a:lnRef>
+        <a:fillRef idx="0">
+          <a:scrgbClr r="0" g="0" b="0"/>
+        </a:fillRef>
+        <a:effectRef idx="0">
+          <a:scrgbClr r="0" g="0" b="0"/>
+        </a:effectRef>
+        <a:fontRef idx="minor"/>
+      </dsp:style>
+      <dsp:txBody>
+        <a:bodyPr spcFirstLastPara="0" vert="horz" wrap="square" lIns="92499" tIns="92499" rIns="92499" bIns="92499" numCol="1" spcCol="1270" anchor="ctr" anchorCtr="0">
+          <a:noAutofit/>
+        </a:bodyPr>
+        <a:lstStyle/>
+        <a:p>
+          <a:pPr marL="0" lvl="0" indent="0" algn="l" defTabSz="844550">
+            <a:lnSpc>
+              <a:spcPct val="100000"/>
+            </a:lnSpc>
+            <a:spcBef>
+              <a:spcPct val="0"/>
+            </a:spcBef>
+            <a:spcAft>
+              <a:spcPct val="35000"/>
+            </a:spcAft>
+            <a:buNone/>
+          </a:pPr>
+          <a:r>
+            <a:rPr lang="en-US" sz="1900" b="1" i="0" kern="1200"/>
+            <a:t>Product – </a:t>
+          </a:r>
+          <a:r>
+            <a:rPr lang="en-US" sz="1900" b="0" i="0" kern="1200"/>
+            <a:t>The product class defines the type of the complex object that is to be generated by the builder pattern.</a:t>
+          </a:r>
+          <a:endParaRPr lang="en-US" sz="1900" kern="1200"/>
+        </a:p>
+      </dsp:txBody>
+      <dsp:txXfrm>
+        <a:off x="1009478" y="1724"/>
+        <a:ext cx="9029871" cy="874007"/>
+      </dsp:txXfrm>
+    </dsp:sp>
+    <dsp:sp modelId="{D2D54CB8-2B95-4295-B9B1-0AF9ABB1B55D}">
+      <dsp:nvSpPr>
+        <dsp:cNvPr id="0" name=""/>
+        <dsp:cNvSpPr/>
+      </dsp:nvSpPr>
+      <dsp:spPr>
+        <a:xfrm>
+          <a:off x="0" y="1094233"/>
+          <a:ext cx="10039350" cy="874007"/>
+        </a:xfrm>
+        <a:prstGeom prst="roundRect">
+          <a:avLst>
+            <a:gd name="adj" fmla="val 10000"/>
+          </a:avLst>
+        </a:prstGeom>
+        <a:solidFill>
+          <a:schemeClr val="accent1">
+            <a:tint val="40000"/>
+            <a:hueOff val="0"/>
+            <a:satOff val="0"/>
+            <a:lumOff val="0"/>
+            <a:alphaOff val="0"/>
+          </a:schemeClr>
+        </a:solidFill>
+        <a:ln>
+          <a:noFill/>
+        </a:ln>
+        <a:effectLst/>
+      </dsp:spPr>
+      <dsp:style>
+        <a:lnRef idx="0">
+          <a:scrgbClr r="0" g="0" b="0"/>
+        </a:lnRef>
+        <a:fillRef idx="1">
+          <a:scrgbClr r="0" g="0" b="0"/>
+        </a:fillRef>
+        <a:effectRef idx="0">
+          <a:scrgbClr r="0" g="0" b="0"/>
+        </a:effectRef>
+        <a:fontRef idx="minor"/>
+      </dsp:style>
+    </dsp:sp>
+    <dsp:sp modelId="{93D8EFAA-6A07-4746-BDBE-F7E84305832C}">
+      <dsp:nvSpPr>
+        <dsp:cNvPr id="0" name=""/>
+        <dsp:cNvSpPr/>
+      </dsp:nvSpPr>
+      <dsp:spPr>
+        <a:xfrm>
+          <a:off x="264387" y="1290885"/>
+          <a:ext cx="480704" cy="480704"/>
+        </a:xfrm>
+        <a:prstGeom prst="rect">
+          <a:avLst/>
+        </a:prstGeom>
+        <a:blipFill>
+          <a:blip xmlns:r="http://schemas.openxmlformats.org/officeDocument/2006/relationships" r:embed="rId3">
+            <a:extLst>
+              <a:ext uri="{28A0092B-C50C-407E-A947-70E740481C1C}">
+                <a14:useLocalDpi xmlns:a14="http://schemas.microsoft.com/office/drawing/2010/main" val="0"/>
+              </a:ext>
+              <a:ext uri="{96DAC541-7B7A-43D3-8B79-37D633B846F1}">
+                <asvg:svgBlip xmlns:asvg="http://schemas.microsoft.com/office/drawing/2016/SVG/main" r:embed="rId4"/>
+              </a:ext>
+            </a:extLst>
+          </a:blip>
+          <a:stretch>
+            <a:fillRect/>
+          </a:stretch>
+        </a:blipFill>
+        <a:ln w="15875" cap="flat" cmpd="sng" algn="ctr">
+          <a:solidFill>
+            <a:schemeClr val="lt1">
+              <a:hueOff val="0"/>
+              <a:satOff val="0"/>
+              <a:lumOff val="0"/>
+              <a:alphaOff val="0"/>
+            </a:schemeClr>
+          </a:solidFill>
+          <a:prstDash val="solid"/>
+        </a:ln>
+        <a:effectLst/>
+      </dsp:spPr>
+      <dsp:style>
+        <a:lnRef idx="2">
+          <a:scrgbClr r="0" g="0" b="0"/>
+        </a:lnRef>
+        <a:fillRef idx="1">
+          <a:scrgbClr r="0" g="0" b="0"/>
+        </a:fillRef>
+        <a:effectRef idx="0">
+          <a:scrgbClr r="0" g="0" b="0"/>
+        </a:effectRef>
+        <a:fontRef idx="minor">
+          <a:schemeClr val="lt1"/>
+        </a:fontRef>
+      </dsp:style>
+    </dsp:sp>
+    <dsp:sp modelId="{5D91F9F2-12FF-41A4-ACA5-FF556B864368}">
+      <dsp:nvSpPr>
+        <dsp:cNvPr id="0" name=""/>
+        <dsp:cNvSpPr/>
+      </dsp:nvSpPr>
+      <dsp:spPr>
+        <a:xfrm>
+          <a:off x="1009478" y="1094233"/>
+          <a:ext cx="9029871" cy="874007"/>
+        </a:xfrm>
+        <a:prstGeom prst="rect">
+          <a:avLst/>
+        </a:prstGeom>
+        <a:noFill/>
+        <a:ln>
+          <a:noFill/>
+        </a:ln>
+        <a:effectLst/>
+      </dsp:spPr>
+      <dsp:style>
+        <a:lnRef idx="0">
+          <a:scrgbClr r="0" g="0" b="0"/>
+        </a:lnRef>
+        <a:fillRef idx="0">
+          <a:scrgbClr r="0" g="0" b="0"/>
+        </a:fillRef>
+        <a:effectRef idx="0">
+          <a:scrgbClr r="0" g="0" b="0"/>
+        </a:effectRef>
+        <a:fontRef idx="minor"/>
+      </dsp:style>
+      <dsp:txBody>
+        <a:bodyPr spcFirstLastPara="0" vert="horz" wrap="square" lIns="92499" tIns="92499" rIns="92499" bIns="92499" numCol="1" spcCol="1270" anchor="ctr" anchorCtr="0">
+          <a:noAutofit/>
+        </a:bodyPr>
+        <a:lstStyle/>
+        <a:p>
+          <a:pPr marL="0" lvl="0" indent="0" algn="l" defTabSz="844550">
+            <a:lnSpc>
+              <a:spcPct val="100000"/>
+            </a:lnSpc>
+            <a:spcBef>
+              <a:spcPct val="0"/>
+            </a:spcBef>
+            <a:spcAft>
+              <a:spcPct val="35000"/>
+            </a:spcAft>
+            <a:buNone/>
+          </a:pPr>
+          <a:r>
+            <a:rPr lang="en-US" sz="1900" b="1" i="0" kern="1200"/>
+            <a:t>Builder – </a:t>
+          </a:r>
+          <a:r>
+            <a:rPr lang="en-US" sz="1900" b="0" i="0" kern="1200"/>
+            <a:t>This abstract base class defines all of the steps that must be taken in order to correctly create a product. The builder class is often replaced with a simple interface.</a:t>
+          </a:r>
+          <a:endParaRPr lang="en-US" sz="1900" kern="1200"/>
+        </a:p>
+      </dsp:txBody>
+      <dsp:txXfrm>
+        <a:off x="1009478" y="1094233"/>
+        <a:ext cx="9029871" cy="874007"/>
+      </dsp:txXfrm>
+    </dsp:sp>
+    <dsp:sp modelId="{5DA7CE10-3BA1-4204-B887-F56885DAB00D}">
+      <dsp:nvSpPr>
+        <dsp:cNvPr id="0" name=""/>
+        <dsp:cNvSpPr/>
+      </dsp:nvSpPr>
+      <dsp:spPr>
+        <a:xfrm>
+          <a:off x="0" y="2186742"/>
+          <a:ext cx="10039350" cy="874007"/>
+        </a:xfrm>
+        <a:prstGeom prst="roundRect">
+          <a:avLst>
+            <a:gd name="adj" fmla="val 10000"/>
+          </a:avLst>
+        </a:prstGeom>
+        <a:solidFill>
+          <a:schemeClr val="accent1">
+            <a:tint val="40000"/>
+            <a:hueOff val="0"/>
+            <a:satOff val="0"/>
+            <a:lumOff val="0"/>
+            <a:alphaOff val="0"/>
+          </a:schemeClr>
+        </a:solidFill>
+        <a:ln>
+          <a:noFill/>
+        </a:ln>
+        <a:effectLst/>
+      </dsp:spPr>
+      <dsp:style>
+        <a:lnRef idx="0">
+          <a:scrgbClr r="0" g="0" b="0"/>
+        </a:lnRef>
+        <a:fillRef idx="1">
+          <a:scrgbClr r="0" g="0" b="0"/>
+        </a:fillRef>
+        <a:effectRef idx="0">
+          <a:scrgbClr r="0" g="0" b="0"/>
+        </a:effectRef>
+        <a:fontRef idx="minor"/>
+      </dsp:style>
+    </dsp:sp>
+    <dsp:sp modelId="{A3ED3DF3-42FB-424B-9418-F8E0289E048E}">
+      <dsp:nvSpPr>
+        <dsp:cNvPr id="0" name=""/>
+        <dsp:cNvSpPr/>
+      </dsp:nvSpPr>
+      <dsp:spPr>
+        <a:xfrm>
+          <a:off x="264387" y="2383394"/>
+          <a:ext cx="480704" cy="480704"/>
+        </a:xfrm>
+        <a:prstGeom prst="rect">
+          <a:avLst/>
+        </a:prstGeom>
+        <a:blipFill>
+          <a:blip xmlns:r="http://schemas.openxmlformats.org/officeDocument/2006/relationships" r:embed="rId5">
+            <a:extLst>
+              <a:ext uri="{28A0092B-C50C-407E-A947-70E740481C1C}">
+                <a14:useLocalDpi xmlns:a14="http://schemas.microsoft.com/office/drawing/2010/main" val="0"/>
+              </a:ext>
+              <a:ext uri="{96DAC541-7B7A-43D3-8B79-37D633B846F1}">
+                <asvg:svgBlip xmlns:asvg="http://schemas.microsoft.com/office/drawing/2016/SVG/main" r:embed="rId6"/>
+              </a:ext>
+            </a:extLst>
+          </a:blip>
+          <a:stretch>
+            <a:fillRect/>
+          </a:stretch>
+        </a:blipFill>
+        <a:ln w="15875" cap="flat" cmpd="sng" algn="ctr">
+          <a:solidFill>
+            <a:schemeClr val="lt1">
+              <a:hueOff val="0"/>
+              <a:satOff val="0"/>
+              <a:lumOff val="0"/>
+              <a:alphaOff val="0"/>
+            </a:schemeClr>
+          </a:solidFill>
+          <a:prstDash val="solid"/>
+        </a:ln>
+        <a:effectLst/>
+      </dsp:spPr>
+      <dsp:style>
+        <a:lnRef idx="2">
+          <a:scrgbClr r="0" g="0" b="0"/>
+        </a:lnRef>
+        <a:fillRef idx="1">
+          <a:scrgbClr r="0" g="0" b="0"/>
+        </a:fillRef>
+        <a:effectRef idx="0">
+          <a:scrgbClr r="0" g="0" b="0"/>
+        </a:effectRef>
+        <a:fontRef idx="minor">
+          <a:schemeClr val="lt1"/>
+        </a:fontRef>
+      </dsp:style>
+    </dsp:sp>
+    <dsp:sp modelId="{F93D76DF-6CB1-4D73-B5C5-392E57AD7166}">
+      <dsp:nvSpPr>
+        <dsp:cNvPr id="0" name=""/>
+        <dsp:cNvSpPr/>
+      </dsp:nvSpPr>
+      <dsp:spPr>
+        <a:xfrm>
+          <a:off x="1009478" y="2186742"/>
+          <a:ext cx="9029871" cy="874007"/>
+        </a:xfrm>
+        <a:prstGeom prst="rect">
+          <a:avLst/>
+        </a:prstGeom>
+        <a:noFill/>
+        <a:ln>
+          <a:noFill/>
+        </a:ln>
+        <a:effectLst/>
+      </dsp:spPr>
+      <dsp:style>
+        <a:lnRef idx="0">
+          <a:scrgbClr r="0" g="0" b="0"/>
+        </a:lnRef>
+        <a:fillRef idx="0">
+          <a:scrgbClr r="0" g="0" b="0"/>
+        </a:fillRef>
+        <a:effectRef idx="0">
+          <a:scrgbClr r="0" g="0" b="0"/>
+        </a:effectRef>
+        <a:fontRef idx="minor"/>
+      </dsp:style>
+      <dsp:txBody>
+        <a:bodyPr spcFirstLastPara="0" vert="horz" wrap="square" lIns="92499" tIns="92499" rIns="92499" bIns="92499" numCol="1" spcCol="1270" anchor="ctr" anchorCtr="0">
+          <a:noAutofit/>
+        </a:bodyPr>
+        <a:lstStyle/>
+        <a:p>
+          <a:pPr marL="0" lvl="0" indent="0" algn="l" defTabSz="844550">
+            <a:lnSpc>
+              <a:spcPct val="100000"/>
+            </a:lnSpc>
+            <a:spcBef>
+              <a:spcPct val="0"/>
+            </a:spcBef>
+            <a:spcAft>
+              <a:spcPct val="35000"/>
+            </a:spcAft>
+            <a:buNone/>
+          </a:pPr>
+          <a:r>
+            <a:rPr lang="en-US" sz="1900" b="1" i="0" kern="1200"/>
+            <a:t>Concrete Builder – </a:t>
+          </a:r>
+          <a:r>
+            <a:rPr lang="en-US" sz="1900" b="0" i="0" kern="1200"/>
+            <a:t>There may be any number of concrete builder classes inheriting from Builder. These classes contain the functionality to create a particular complex product.</a:t>
+          </a:r>
+          <a:endParaRPr lang="en-US" sz="1900" kern="1200"/>
+        </a:p>
+      </dsp:txBody>
+      <dsp:txXfrm>
+        <a:off x="1009478" y="2186742"/>
+        <a:ext cx="9029871" cy="874007"/>
+      </dsp:txXfrm>
+    </dsp:sp>
+    <dsp:sp modelId="{46D89ADD-BFD8-4AAD-80E1-A62CC2D0466F}">
+      <dsp:nvSpPr>
+        <dsp:cNvPr id="0" name=""/>
+        <dsp:cNvSpPr/>
+      </dsp:nvSpPr>
+      <dsp:spPr>
+        <a:xfrm>
+          <a:off x="0" y="3279252"/>
+          <a:ext cx="10039350" cy="874007"/>
+        </a:xfrm>
+        <a:prstGeom prst="roundRect">
+          <a:avLst>
+            <a:gd name="adj" fmla="val 10000"/>
+          </a:avLst>
+        </a:prstGeom>
+        <a:solidFill>
+          <a:schemeClr val="accent1">
+            <a:tint val="40000"/>
+            <a:hueOff val="0"/>
+            <a:satOff val="0"/>
+            <a:lumOff val="0"/>
+            <a:alphaOff val="0"/>
+          </a:schemeClr>
+        </a:solidFill>
+        <a:ln>
+          <a:noFill/>
+        </a:ln>
+        <a:effectLst/>
+      </dsp:spPr>
+      <dsp:style>
+        <a:lnRef idx="0">
+          <a:scrgbClr r="0" g="0" b="0"/>
+        </a:lnRef>
+        <a:fillRef idx="1">
+          <a:scrgbClr r="0" g="0" b="0"/>
+        </a:fillRef>
+        <a:effectRef idx="0">
+          <a:scrgbClr r="0" g="0" b="0"/>
+        </a:effectRef>
+        <a:fontRef idx="minor"/>
+      </dsp:style>
+    </dsp:sp>
+    <dsp:sp modelId="{DCC741D9-B894-4D0F-B371-6E101508A194}">
+      <dsp:nvSpPr>
+        <dsp:cNvPr id="0" name=""/>
+        <dsp:cNvSpPr/>
+      </dsp:nvSpPr>
+      <dsp:spPr>
+        <a:xfrm>
+          <a:off x="264387" y="3475903"/>
+          <a:ext cx="480704" cy="480704"/>
+        </a:xfrm>
+        <a:prstGeom prst="rect">
+          <a:avLst/>
+        </a:prstGeom>
+        <a:blipFill>
+          <a:blip xmlns:r="http://schemas.openxmlformats.org/officeDocument/2006/relationships" r:embed="rId7">
+            <a:extLst>
+              <a:ext uri="{28A0092B-C50C-407E-A947-70E740481C1C}">
+                <a14:useLocalDpi xmlns:a14="http://schemas.microsoft.com/office/drawing/2010/main" val="0"/>
+              </a:ext>
+              <a:ext uri="{96DAC541-7B7A-43D3-8B79-37D633B846F1}">
+                <asvg:svgBlip xmlns:asvg="http://schemas.microsoft.com/office/drawing/2016/SVG/main" r:embed="rId8"/>
+              </a:ext>
+            </a:extLst>
+          </a:blip>
+          <a:stretch>
+            <a:fillRect/>
+          </a:stretch>
+        </a:blipFill>
+        <a:ln w="15875" cap="flat" cmpd="sng" algn="ctr">
+          <a:solidFill>
+            <a:schemeClr val="lt1">
+              <a:hueOff val="0"/>
+              <a:satOff val="0"/>
+              <a:lumOff val="0"/>
+              <a:alphaOff val="0"/>
+            </a:schemeClr>
+          </a:solidFill>
+          <a:prstDash val="solid"/>
+        </a:ln>
+        <a:effectLst/>
+      </dsp:spPr>
+      <dsp:style>
+        <a:lnRef idx="2">
+          <a:scrgbClr r="0" g="0" b="0"/>
+        </a:lnRef>
+        <a:fillRef idx="1">
+          <a:scrgbClr r="0" g="0" b="0"/>
+        </a:fillRef>
+        <a:effectRef idx="0">
+          <a:scrgbClr r="0" g="0" b="0"/>
+        </a:effectRef>
+        <a:fontRef idx="minor">
+          <a:schemeClr val="lt1"/>
+        </a:fontRef>
+      </dsp:style>
+    </dsp:sp>
+    <dsp:sp modelId="{D50A8BE8-4F35-43FB-A7B5-471C778E9CD8}">
+      <dsp:nvSpPr>
+        <dsp:cNvPr id="0" name=""/>
+        <dsp:cNvSpPr/>
+      </dsp:nvSpPr>
+      <dsp:spPr>
+        <a:xfrm>
+          <a:off x="1009478" y="3279252"/>
+          <a:ext cx="9029871" cy="874007"/>
+        </a:xfrm>
+        <a:prstGeom prst="rect">
+          <a:avLst/>
+        </a:prstGeom>
+        <a:noFill/>
+        <a:ln>
+          <a:noFill/>
+        </a:ln>
+        <a:effectLst/>
+      </dsp:spPr>
+      <dsp:style>
+        <a:lnRef idx="0">
+          <a:scrgbClr r="0" g="0" b="0"/>
+        </a:lnRef>
+        <a:fillRef idx="0">
+          <a:scrgbClr r="0" g="0" b="0"/>
+        </a:fillRef>
+        <a:effectRef idx="0">
+          <a:scrgbClr r="0" g="0" b="0"/>
+        </a:effectRef>
+        <a:fontRef idx="minor"/>
+      </dsp:style>
+      <dsp:txBody>
+        <a:bodyPr spcFirstLastPara="0" vert="horz" wrap="square" lIns="92499" tIns="92499" rIns="92499" bIns="92499" numCol="1" spcCol="1270" anchor="ctr" anchorCtr="0">
+          <a:noAutofit/>
+        </a:bodyPr>
+        <a:lstStyle/>
+        <a:p>
+          <a:pPr marL="0" lvl="0" indent="0" algn="l" defTabSz="844550">
+            <a:lnSpc>
+              <a:spcPct val="100000"/>
+            </a:lnSpc>
+            <a:spcBef>
+              <a:spcPct val="0"/>
+            </a:spcBef>
+            <a:spcAft>
+              <a:spcPct val="35000"/>
+            </a:spcAft>
+            <a:buNone/>
+          </a:pPr>
+          <a:r>
+            <a:rPr lang="en-US" sz="1900" b="1" i="0" kern="1200"/>
+            <a:t>Director – </a:t>
+          </a:r>
+          <a:r>
+            <a:rPr lang="en-US" sz="1900" b="0" i="0" kern="1200"/>
+            <a:t>The director-class controls the algorithm that generates the final product object.</a:t>
+          </a:r>
+          <a:endParaRPr lang="en-US" sz="1900" kern="1200"/>
+        </a:p>
+      </dsp:txBody>
+      <dsp:txXfrm>
+        <a:off x="1009478" y="3279252"/>
+        <a:ext cx="9029871" cy="874007"/>
+      </dsp:txXfrm>
+    </dsp:sp>
+  </dsp:spTree>
+</dsp:drawing>
+</file>
+
 <file path=ppt/diagrams/layout1.xml><?xml version="1.0" encoding="utf-8"?>
 <dgm:layoutDef xmlns:dgm="http://schemas.openxmlformats.org/drawingml/2006/diagram" xmlns:a="http://schemas.openxmlformats.org/drawingml/2006/main" uniqueId="urn:microsoft.com/office/officeart/2018/2/layout/IconVerticalSolidList">
   <dgm:title val="Icon Vertical Solid List"/>
@@ -7287,6 +9154,300 @@
 </dgm:layoutDef>
 </file>
 
+<file path=ppt/diagrams/layout5.xml><?xml version="1.0" encoding="utf-8"?>
+<dgm:layoutDef xmlns:dgm="http://schemas.openxmlformats.org/drawingml/2006/diagram" xmlns:a="http://schemas.openxmlformats.org/drawingml/2006/main" uniqueId="urn:microsoft.com/office/officeart/2018/2/layout/IconVerticalSolidList">
+  <dgm:title val="Icon Vertical Solid List"/>
+  <dgm:desc val="Use to show a series of visuals from top to bottom with Level 1 or Level 1 and Level 2 text grouped in a shape. Works best with icons or small pictures with lengthier descriptions."/>
+  <dgm:catLst>
+    <dgm:cat type="icon" pri="500"/>
+  </dgm:catLst>
+  <dgm:sampData useDef="1">
+    <dgm:dataModel>
+      <dgm:ptLst/>
+      <dgm:bg/>
+      <dgm:whole/>
+    </dgm:dataModel>
+  </dgm:sampData>
+  <dgm:styleData useDef="1">
+    <dgm:dataModel>
+      <dgm:ptLst/>
+      <dgm:bg/>
+      <dgm:whole/>
+    </dgm:dataModel>
+  </dgm:styleData>
+  <dgm:clrData useDef="1">
+    <dgm:dataModel>
+      <dgm:ptLst/>
+      <dgm:bg/>
+      <dgm:whole/>
+    </dgm:dataModel>
+  </dgm:clrData>
+  <dgm:layoutNode name="root">
+    <dgm:varLst>
+      <dgm:dir/>
+      <dgm:resizeHandles val="exact"/>
+    </dgm:varLst>
+    <dgm:choose name="Name0">
+      <dgm:if name="Name1" axis="self" func="var" arg="dir" op="equ" val="norm">
+        <dgm:alg type="lin">
+          <dgm:param type="linDir" val="fromT"/>
+          <dgm:param type="nodeHorzAlign" val="l"/>
+        </dgm:alg>
+      </dgm:if>
+      <dgm:else name="Name2">
+        <dgm:alg type="lin">
+          <dgm:param type="linDir" val="fromT"/>
+          <dgm:param type="nodeHorzAlign" val="r"/>
+        </dgm:alg>
+      </dgm:else>
+    </dgm:choose>
+    <dgm:shape xmlns:r="http://schemas.openxmlformats.org/officeDocument/2006/relationships" r:blip="">
+      <dgm:adjLst/>
+    </dgm:shape>
+    <dgm:presOf/>
+    <dgm:choose name="Name3">
+      <dgm:if name="Name4" axis="ch" ptType="node" func="cnt" op="lte" val="3">
+        <dgm:constrLst>
+          <dgm:constr type="h" for="ch" forName="compNode" refType="h" fact="0.3"/>
+          <dgm:constr type="w" for="ch" forName="compNode" refType="w"/>
+          <dgm:constr type="h" for="ch" forName="sibTrans" refType="h" refFor="ch" refForName="compNode" fact="0.25"/>
+          <dgm:constr type="primFontSz" for="des" forName="parTx" val="25"/>
+          <dgm:constr type="primFontSz" for="des" forName="desTx" refType="primFontSz" refFor="des" refForName="parTx" op="lte" fact="0.75"/>
+          <dgm:constr type="h" for="des" forName="compNode" op="equ"/>
+          <dgm:constr type="h" for="des" forName="bgRect" op="equ"/>
+          <dgm:constr type="h" for="des" forName="iconRect" op="equ"/>
+          <dgm:constr type="w" for="des" forName="iconRect" op="equ"/>
+          <dgm:constr type="h" for="des" forName="spaceRect" op="equ"/>
+          <dgm:constr type="h" for="des" forName="parTx" op="equ"/>
+          <dgm:constr type="h" for="des" forName="desTx" op="equ"/>
+        </dgm:constrLst>
+      </dgm:if>
+      <dgm:if name="Name5" axis="ch" ptType="node" func="cnt" op="lte" val="4">
+        <dgm:constrLst>
+          <dgm:constr type="h" for="ch" forName="compNode" refType="h" fact="0.3"/>
+          <dgm:constr type="w" for="ch" forName="compNode" refType="w"/>
+          <dgm:constr type="h" for="ch" forName="sibTrans" refType="h" refFor="ch" refForName="compNode" fact="0.25"/>
+          <dgm:constr type="primFontSz" for="des" forName="parTx" val="22"/>
+          <dgm:constr type="primFontSz" for="des" forName="desTx" refType="primFontSz" refFor="des" refForName="parTx" op="lte" fact="0.75"/>
+          <dgm:constr type="h" for="des" forName="compNode" op="equ"/>
+          <dgm:constr type="h" for="des" forName="bgRect" op="equ"/>
+          <dgm:constr type="h" for="des" forName="iconRect" op="equ"/>
+          <dgm:constr type="w" for="des" forName="iconRect" op="equ"/>
+          <dgm:constr type="h" for="des" forName="spaceRect" op="equ"/>
+          <dgm:constr type="h" for="des" forName="parTx" op="equ"/>
+          <dgm:constr type="h" for="des" forName="desTx" op="equ"/>
+        </dgm:constrLst>
+      </dgm:if>
+      <dgm:if name="Name6" axis="ch" ptType="node" func="cnt" op="lte" val="6">
+        <dgm:constrLst>
+          <dgm:constr type="h" for="ch" forName="compNode" refType="h" fact="0.3"/>
+          <dgm:constr type="w" for="ch" forName="compNode" refType="w"/>
+          <dgm:constr type="h" for="ch" forName="sibTrans" refType="h" refFor="ch" refForName="compNode" fact="0.25"/>
+          <dgm:constr type="primFontSz" for="des" forName="parTx" val="19"/>
+          <dgm:constr type="primFontSz" for="des" forName="desTx" refType="primFontSz" refFor="des" refForName="parTx" op="lte" fact="0.75"/>
+          <dgm:constr type="h" for="des" forName="compNode" op="equ"/>
+          <dgm:constr type="h" for="des" forName="bgRect" op="equ"/>
+          <dgm:constr type="h" for="des" forName="iconRect" op="equ"/>
+          <dgm:constr type="w" for="des" forName="iconRect" op="equ"/>
+          <dgm:constr type="h" for="des" forName="spaceRect" op="equ"/>
+          <dgm:constr type="h" for="des" forName="parTx" op="equ"/>
+          <dgm:constr type="h" for="des" forName="desTx" op="equ"/>
+        </dgm:constrLst>
+      </dgm:if>
+      <dgm:else name="Name7">
+        <dgm:constrLst>
+          <dgm:constr type="h" for="ch" forName="compNode" refType="h" fact="0.3"/>
+          <dgm:constr type="w" for="ch" forName="compNode" refType="w"/>
+          <dgm:constr type="h" for="ch" forName="sibTrans" refType="h" refFor="ch" refForName="compNode" fact="0.25"/>
+          <dgm:constr type="primFontSz" for="des" forName="parTx" val="16"/>
+          <dgm:constr type="primFontSz" for="des" forName="desTx" refType="primFontSz" refFor="des" refForName="parTx" op="lte" fact="0.75"/>
+          <dgm:constr type="h" for="des" forName="compNode" op="equ"/>
+          <dgm:constr type="h" for="des" forName="bgRect" op="equ"/>
+          <dgm:constr type="h" for="des" forName="iconRect" op="equ"/>
+          <dgm:constr type="w" for="des" forName="iconRect" op="equ"/>
+          <dgm:constr type="h" for="des" forName="spaceRect" op="equ"/>
+          <dgm:constr type="h" for="des" forName="parTx" op="equ"/>
+          <dgm:constr type="h" for="des" forName="desTx" op="equ"/>
+        </dgm:constrLst>
+      </dgm:else>
+    </dgm:choose>
+    <dgm:ruleLst>
+      <dgm:rule type="h" for="ch" forName="compNode" val="0" fact="NaN" max="NaN"/>
+    </dgm:ruleLst>
+    <dgm:forEach name="Name8" axis="ch" ptType="node">
+      <dgm:layoutNode name="compNode">
+        <dgm:alg type="composite"/>
+        <dgm:shape xmlns:r="http://schemas.openxmlformats.org/officeDocument/2006/relationships" r:blip="">
+          <dgm:adjLst/>
+        </dgm:shape>
+        <dgm:presOf axis="self"/>
+        <dgm:choose name="Name9">
+          <dgm:if name="Name10" axis="ch" ptType="node" func="cnt" op="gte" val="1">
+            <dgm:constrLst>
+              <dgm:constr type="w" for="ch" forName="bgRect" refType="w"/>
+              <dgm:constr type="h" for="ch" forName="bgRect" refType="h"/>
+              <dgm:constr type="l" for="ch" forName="bgRect"/>
+              <dgm:constr type="t" for="ch" forName="bgRect"/>
+              <dgm:constr type="h" for="ch" forName="iconRect" refType="h" fact="0.55"/>
+              <dgm:constr type="w" for="ch" forName="iconRect" refType="h" refFor="ch" refForName="iconRect"/>
+              <dgm:constr type="l" for="ch" forName="iconRect" refType="h" refFor="ch" refForName="iconRect" fact="0.55"/>
+              <dgm:constr type="ctrY" for="ch" forName="iconRect" refType="ctrY" refFor="ch" refForName="bgRect"/>
+              <dgm:constr type="w" for="ch" forName="spaceRect" refType="l" refFor="ch" refForName="iconRect"/>
+              <dgm:constr type="h" for="ch" forName="spaceRect" refType="h"/>
+              <dgm:constr type="l" for="ch" forName="spaceRect" refType="r" refFor="ch" refForName="iconRect"/>
+              <dgm:constr type="t" for="ch" forName="spaceRect"/>
+              <dgm:constr type="w" for="ch" forName="parTx" refType="w" fact="0.45"/>
+              <dgm:constr type="h" for="ch" forName="parTx" refType="h"/>
+              <dgm:constr type="l" for="ch" forName="parTx" refType="r" refFor="ch" refForName="spaceRect"/>
+              <dgm:constr type="t" for="ch" forName="parTx"/>
+              <dgm:constr type="h" for="ch" forName="desTx" refType="h"/>
+              <dgm:constr type="l" for="ch" forName="desTx" refType="r" refFor="ch" refForName="parTx"/>
+              <dgm:constr type="t" for="ch" forName="desTx"/>
+            </dgm:constrLst>
+          </dgm:if>
+          <dgm:else name="Name11">
+            <dgm:constrLst>
+              <dgm:constr type="w" for="ch" forName="bgRect" refType="w"/>
+              <dgm:constr type="h" for="ch" forName="bgRect" refType="h"/>
+              <dgm:constr type="l" for="ch" forName="bgRect"/>
+              <dgm:constr type="t" for="ch" forName="bgRect"/>
+              <dgm:constr type="h" for="ch" forName="iconRect" refType="h" fact="0.55"/>
+              <dgm:constr type="w" for="ch" forName="iconRect" refType="h" refFor="ch" refForName="iconRect"/>
+              <dgm:constr type="l" for="ch" forName="iconRect" refType="h" refFor="ch" refForName="iconRect" fact="0.55"/>
+              <dgm:constr type="ctrY" for="ch" forName="iconRect" refType="ctrY" refFor="ch" refForName="bgRect"/>
+              <dgm:constr type="w" for="ch" forName="spaceRect" refType="l" refFor="ch" refForName="iconRect"/>
+              <dgm:constr type="h" for="ch" forName="spaceRect" refType="h"/>
+              <dgm:constr type="l" for="ch" forName="spaceRect" refType="r" refFor="ch" refForName="iconRect"/>
+              <dgm:constr type="t" for="ch" forName="spaceRect"/>
+              <dgm:constr type="h" for="ch" forName="parTx" refType="h"/>
+              <dgm:constr type="l" for="ch" forName="parTx" refType="r" refFor="ch" refForName="spaceRect"/>
+              <dgm:constr type="t" for="ch" forName="parTx"/>
+            </dgm:constrLst>
+          </dgm:else>
+        </dgm:choose>
+        <dgm:ruleLst>
+          <dgm:rule type="h" val="INF" fact="NaN" max="NaN"/>
+        </dgm:ruleLst>
+        <dgm:layoutNode name="bgRect" styleLbl="bgShp">
+          <dgm:alg type="sp"/>
+          <dgm:shape xmlns:r="http://schemas.openxmlformats.org/officeDocument/2006/relationships" type="roundRect" r:blip="">
+            <dgm:adjLst>
+              <dgm:adj idx="1" val="0.1"/>
+            </dgm:adjLst>
+          </dgm:shape>
+          <dgm:presOf/>
+          <dgm:constrLst/>
+          <dgm:ruleLst/>
+        </dgm:layoutNode>
+        <dgm:layoutNode name="iconRect" styleLbl="node1">
+          <dgm:alg type="sp"/>
+          <dgm:shape xmlns:r="http://schemas.openxmlformats.org/officeDocument/2006/relationships" type="rect" r:blip="" blipPhldr="1">
+            <dgm:adjLst/>
+          </dgm:shape>
+          <dgm:presOf/>
+          <dgm:constrLst/>
+          <dgm:ruleLst/>
+        </dgm:layoutNode>
+        <dgm:layoutNode name="spaceRect">
+          <dgm:alg type="sp"/>
+          <dgm:shape xmlns:r="http://schemas.openxmlformats.org/officeDocument/2006/relationships" r:blip="">
+            <dgm:adjLst/>
+          </dgm:shape>
+          <dgm:presOf/>
+          <dgm:constrLst/>
+          <dgm:ruleLst/>
+        </dgm:layoutNode>
+        <dgm:layoutNode name="parTx" styleLbl="revTx">
+          <dgm:varLst>
+            <dgm:chMax val="0"/>
+            <dgm:chPref val="0"/>
+          </dgm:varLst>
+          <dgm:alg type="tx">
+            <dgm:param type="txAnchorVert" val="mid"/>
+            <dgm:param type="parTxLTRAlign" val="l"/>
+            <dgm:param type="shpTxLTRAlignCh" val="l"/>
+            <dgm:param type="parTxRTLAlign" val="r"/>
+            <dgm:param type="shpTxRTLAlignCh" val="r"/>
+          </dgm:alg>
+          <dgm:shape xmlns:r="http://schemas.openxmlformats.org/officeDocument/2006/relationships" type="rect" r:blip="">
+            <dgm:adjLst/>
+          </dgm:shape>
+          <dgm:presOf axis="self" ptType="node"/>
+          <dgm:constrLst>
+            <dgm:constr type="lMarg" refType="h" fact="0.3"/>
+            <dgm:constr type="rMarg" refType="h" fact="0.3"/>
+            <dgm:constr type="tMarg" refType="h" fact="0.3"/>
+            <dgm:constr type="bMarg" refType="h" fact="0.3"/>
+          </dgm:constrLst>
+          <dgm:ruleLst>
+            <dgm:rule type="primFontSz" val="14" fact="NaN" max="NaN"/>
+            <dgm:rule type="h" val="INF" fact="NaN" max="NaN"/>
+          </dgm:ruleLst>
+        </dgm:layoutNode>
+        <dgm:choose name="Name12">
+          <dgm:if name="Name13" axis="ch" ptType="node" func="cnt" op="gte" val="1">
+            <dgm:layoutNode name="desTx" styleLbl="revTx">
+              <dgm:varLst/>
+              <dgm:alg type="tx">
+                <dgm:param type="txAnchorVertCh" val="mid"/>
+                <dgm:param type="parTxLTRAlign" val="l"/>
+                <dgm:param type="shpTxLTRAlignCh" val="l"/>
+                <dgm:param type="parTxRTLAlign" val="r"/>
+                <dgm:param type="shpTxRTLAlignCh" val="r"/>
+                <dgm:param type="stBulletLvl" val="0"/>
+              </dgm:alg>
+              <dgm:shape xmlns:r="http://schemas.openxmlformats.org/officeDocument/2006/relationships" type="rect" r:blip="">
+                <dgm:adjLst/>
+              </dgm:shape>
+              <dgm:presOf axis="des" ptType="node"/>
+              <dgm:constrLst>
+                <dgm:constr type="primFontSz" val="18"/>
+                <dgm:constr type="secFontSz" refType="primFontSz"/>
+                <dgm:constr type="lMarg" refType="h" fact="0.3"/>
+                <dgm:constr type="rMarg" refType="h" fact="0.3"/>
+                <dgm:constr type="tMarg" refType="h" fact="0.3"/>
+                <dgm:constr type="bMarg" refType="h" fact="0.3"/>
+              </dgm:constrLst>
+              <dgm:ruleLst>
+                <dgm:rule type="primFontSz" val="11" fact="NaN" max="NaN"/>
+              </dgm:ruleLst>
+            </dgm:layoutNode>
+          </dgm:if>
+          <dgm:else name="Name14"/>
+        </dgm:choose>
+      </dgm:layoutNode>
+      <dgm:forEach name="Name15" axis="followSib" ptType="sibTrans" cnt="1">
+        <dgm:layoutNode name="sibTrans">
+          <dgm:alg type="sp"/>
+          <dgm:shape xmlns:r="http://schemas.openxmlformats.org/officeDocument/2006/relationships" r:blip="">
+            <dgm:adjLst/>
+          </dgm:shape>
+          <dgm:presOf axis="self"/>
+          <dgm:constrLst/>
+          <dgm:ruleLst/>
+        </dgm:layoutNode>
+      </dgm:forEach>
+    </dgm:forEach>
+  </dgm:layoutNode>
+  <dgm:extLst>
+    <a:ext uri="{68A01E43-0DF5-4B5B-8FA6-DAF915123BFB}">
+      <dgm1612:lstStyle xmlns:dgm1612="http://schemas.microsoft.com/office/drawing/2016/12/diagram">
+        <a:lvl1pPr>
+          <a:lnSpc>
+            <a:spcPct val="100000"/>
+          </a:lnSpc>
+        </a:lvl1pPr>
+        <a:lvl2pPr>
+          <a:lnSpc>
+            <a:spcPct val="100000"/>
+          </a:lnSpc>
+        </a:lvl2pPr>
+      </dgm1612:lstStyle>
+    </a:ext>
+  </dgm:extLst>
+</dgm:layoutDef>
+</file>
+
 <file path=ppt/diagrams/quickStyle1.xml><?xml version="1.0" encoding="utf-8"?>
 <dgm:styleDef xmlns:dgm="http://schemas.openxmlformats.org/drawingml/2006/diagram" xmlns:a="http://schemas.openxmlformats.org/drawingml/2006/main" uniqueId="urn:microsoft.com/office/officeart/2005/8/quickstyle/simple1">
   <dgm:title val=""/>
@@ -10390,6 +12551,1040 @@
 </file>
 
 <file path=ppt/diagrams/quickStyle4.xml><?xml version="1.0" encoding="utf-8"?>
+<dgm:styleDef xmlns:dgm="http://schemas.openxmlformats.org/drawingml/2006/diagram" xmlns:a="http://schemas.openxmlformats.org/drawingml/2006/main" uniqueId="urn:microsoft.com/office/officeart/2005/8/quickstyle/simple1">
+  <dgm:title val=""/>
+  <dgm:desc val=""/>
+  <dgm:catLst>
+    <dgm:cat type="simple" pri="10100"/>
+  </dgm:catLst>
+  <dgm:scene3d>
+    <a:camera prst="orthographicFront"/>
+    <a:lightRig rig="threePt" dir="t"/>
+  </dgm:scene3d>
+  <dgm:styleLbl name="node0">
+    <dgm:scene3d>
+      <a:camera prst="orthographicFront"/>
+      <a:lightRig rig="threePt" dir="t"/>
+    </dgm:scene3d>
+    <dgm:sp3d/>
+    <dgm:txPr/>
+    <dgm:style>
+      <a:lnRef idx="2">
+        <a:scrgbClr r="0" g="0" b="0"/>
+      </a:lnRef>
+      <a:fillRef idx="1">
+        <a:scrgbClr r="0" g="0" b="0"/>
+      </a:fillRef>
+      <a:effectRef idx="0">
+        <a:scrgbClr r="0" g="0" b="0"/>
+      </a:effectRef>
+      <a:fontRef idx="minor">
+        <a:schemeClr val="lt1"/>
+      </a:fontRef>
+    </dgm:style>
+  </dgm:styleLbl>
+  <dgm:styleLbl name="lnNode1">
+    <dgm:scene3d>
+      <a:camera prst="orthographicFront"/>
+      <a:lightRig rig="threePt" dir="t"/>
+    </dgm:scene3d>
+    <dgm:sp3d/>
+    <dgm:txPr/>
+    <dgm:style>
+      <a:lnRef idx="2">
+        <a:scrgbClr r="0" g="0" b="0"/>
+      </a:lnRef>
+      <a:fillRef idx="1">
+        <a:scrgbClr r="0" g="0" b="0"/>
+      </a:fillRef>
+      <a:effectRef idx="0">
+        <a:scrgbClr r="0" g="0" b="0"/>
+      </a:effectRef>
+      <a:fontRef idx="minor">
+        <a:schemeClr val="lt1"/>
+      </a:fontRef>
+    </dgm:style>
+  </dgm:styleLbl>
+  <dgm:styleLbl name="vennNode1">
+    <dgm:scene3d>
+      <a:camera prst="orthographicFront"/>
+      <a:lightRig rig="threePt" dir="t"/>
+    </dgm:scene3d>
+    <dgm:sp3d/>
+    <dgm:txPr/>
+    <dgm:style>
+      <a:lnRef idx="2">
+        <a:scrgbClr r="0" g="0" b="0"/>
+      </a:lnRef>
+      <a:fillRef idx="1">
+        <a:scrgbClr r="0" g="0" b="0"/>
+      </a:fillRef>
+      <a:effectRef idx="0">
+        <a:scrgbClr r="0" g="0" b="0"/>
+      </a:effectRef>
+      <a:fontRef idx="minor">
+        <a:schemeClr val="tx1"/>
+      </a:fontRef>
+    </dgm:style>
+  </dgm:styleLbl>
+  <dgm:styleLbl name="alignNode1">
+    <dgm:scene3d>
+      <a:camera prst="orthographicFront"/>
+      <a:lightRig rig="threePt" dir="t"/>
+    </dgm:scene3d>
+    <dgm:sp3d/>
+    <dgm:txPr/>
+    <dgm:style>
+      <a:lnRef idx="2">
+        <a:scrgbClr r="0" g="0" b="0"/>
+      </a:lnRef>
+      <a:fillRef idx="1">
+        <a:scrgbClr r="0" g="0" b="0"/>
+      </a:fillRef>
+      <a:effectRef idx="0">
+        <a:scrgbClr r="0" g="0" b="0"/>
+      </a:effectRef>
+      <a:fontRef idx="minor">
+        <a:schemeClr val="lt1"/>
+      </a:fontRef>
+    </dgm:style>
+  </dgm:styleLbl>
+  <dgm:styleLbl name="node1">
+    <dgm:scene3d>
+      <a:camera prst="orthographicFront"/>
+      <a:lightRig rig="threePt" dir="t"/>
+    </dgm:scene3d>
+    <dgm:sp3d/>
+    <dgm:txPr/>
+    <dgm:style>
+      <a:lnRef idx="2">
+        <a:scrgbClr r="0" g="0" b="0"/>
+      </a:lnRef>
+      <a:fillRef idx="1">
+        <a:scrgbClr r="0" g="0" b="0"/>
+      </a:fillRef>
+      <a:effectRef idx="0">
+        <a:scrgbClr r="0" g="0" b="0"/>
+      </a:effectRef>
+      <a:fontRef idx="minor">
+        <a:schemeClr val="lt1"/>
+      </a:fontRef>
+    </dgm:style>
+  </dgm:styleLbl>
+  <dgm:styleLbl name="node2">
+    <dgm:scene3d>
+      <a:camera prst="orthographicFront"/>
+      <a:lightRig rig="threePt" dir="t"/>
+    </dgm:scene3d>
+    <dgm:sp3d/>
+    <dgm:txPr/>
+    <dgm:style>
+      <a:lnRef idx="2">
+        <a:scrgbClr r="0" g="0" b="0"/>
+      </a:lnRef>
+      <a:fillRef idx="1">
+        <a:scrgbClr r="0" g="0" b="0"/>
+      </a:fillRef>
+      <a:effectRef idx="0">
+        <a:scrgbClr r="0" g="0" b="0"/>
+      </a:effectRef>
+      <a:fontRef idx="minor">
+        <a:schemeClr val="lt1"/>
+      </a:fontRef>
+    </dgm:style>
+  </dgm:styleLbl>
+  <dgm:styleLbl name="node3">
+    <dgm:scene3d>
+      <a:camera prst="orthographicFront"/>
+      <a:lightRig rig="threePt" dir="t"/>
+    </dgm:scene3d>
+    <dgm:sp3d/>
+    <dgm:txPr/>
+    <dgm:style>
+      <a:lnRef idx="2">
+        <a:scrgbClr r="0" g="0" b="0"/>
+      </a:lnRef>
+      <a:fillRef idx="1">
+        <a:scrgbClr r="0" g="0" b="0"/>
+      </a:fillRef>
+      <a:effectRef idx="0">
+        <a:scrgbClr r="0" g="0" b="0"/>
+      </a:effectRef>
+      <a:fontRef idx="minor">
+        <a:schemeClr val="lt1"/>
+      </a:fontRef>
+    </dgm:style>
+  </dgm:styleLbl>
+  <dgm:styleLbl name="node4">
+    <dgm:scene3d>
+      <a:camera prst="orthographicFront"/>
+      <a:lightRig rig="threePt" dir="t"/>
+    </dgm:scene3d>
+    <dgm:sp3d/>
+    <dgm:txPr/>
+    <dgm:style>
+      <a:lnRef idx="2">
+        <a:scrgbClr r="0" g="0" b="0"/>
+      </a:lnRef>
+      <a:fillRef idx="1">
+        <a:scrgbClr r="0" g="0" b="0"/>
+      </a:fillRef>
+      <a:effectRef idx="0">
+        <a:scrgbClr r="0" g="0" b="0"/>
+      </a:effectRef>
+      <a:fontRef idx="minor">
+        <a:schemeClr val="lt1"/>
+      </a:fontRef>
+    </dgm:style>
+  </dgm:styleLbl>
+  <dgm:styleLbl name="fgImgPlace1">
+    <dgm:scene3d>
+      <a:camera prst="orthographicFront"/>
+      <a:lightRig rig="threePt" dir="t"/>
+    </dgm:scene3d>
+    <dgm:sp3d/>
+    <dgm:txPr/>
+    <dgm:style>
+      <a:lnRef idx="2">
+        <a:scrgbClr r="0" g="0" b="0"/>
+      </a:lnRef>
+      <a:fillRef idx="1">
+        <a:scrgbClr r="0" g="0" b="0"/>
+      </a:fillRef>
+      <a:effectRef idx="0">
+        <a:scrgbClr r="0" g="0" b="0"/>
+      </a:effectRef>
+      <a:fontRef idx="minor"/>
+    </dgm:style>
+  </dgm:styleLbl>
+  <dgm:styleLbl name="alignImgPlace1">
+    <dgm:scene3d>
+      <a:camera prst="orthographicFront"/>
+      <a:lightRig rig="threePt" dir="t"/>
+    </dgm:scene3d>
+    <dgm:sp3d/>
+    <dgm:txPr/>
+    <dgm:style>
+      <a:lnRef idx="2">
+        <a:scrgbClr r="0" g="0" b="0"/>
+      </a:lnRef>
+      <a:fillRef idx="1">
+        <a:scrgbClr r="0" g="0" b="0"/>
+      </a:fillRef>
+      <a:effectRef idx="0">
+        <a:scrgbClr r="0" g="0" b="0"/>
+      </a:effectRef>
+      <a:fontRef idx="minor"/>
+    </dgm:style>
+  </dgm:styleLbl>
+  <dgm:styleLbl name="bgImgPlace1">
+    <dgm:scene3d>
+      <a:camera prst="orthographicFront"/>
+      <a:lightRig rig="threePt" dir="t"/>
+    </dgm:scene3d>
+    <dgm:sp3d/>
+    <dgm:txPr/>
+    <dgm:style>
+      <a:lnRef idx="2">
+        <a:scrgbClr r="0" g="0" b="0"/>
+      </a:lnRef>
+      <a:fillRef idx="1">
+        <a:scrgbClr r="0" g="0" b="0"/>
+      </a:fillRef>
+      <a:effectRef idx="0">
+        <a:scrgbClr r="0" g="0" b="0"/>
+      </a:effectRef>
+      <a:fontRef idx="minor"/>
+    </dgm:style>
+  </dgm:styleLbl>
+  <dgm:styleLbl name="sibTrans2D1">
+    <dgm:scene3d>
+      <a:camera prst="orthographicFront"/>
+      <a:lightRig rig="threePt" dir="t"/>
+    </dgm:scene3d>
+    <dgm:sp3d/>
+    <dgm:txPr/>
+    <dgm:style>
+      <a:lnRef idx="0">
+        <a:scrgbClr r="0" g="0" b="0"/>
+      </a:lnRef>
+      <a:fillRef idx="1">
+        <a:scrgbClr r="0" g="0" b="0"/>
+      </a:fillRef>
+      <a:effectRef idx="0">
+        <a:scrgbClr r="0" g="0" b="0"/>
+      </a:effectRef>
+      <a:fontRef idx="minor">
+        <a:schemeClr val="lt1"/>
+      </a:fontRef>
+    </dgm:style>
+  </dgm:styleLbl>
+  <dgm:styleLbl name="fgSibTrans2D1">
+    <dgm:scene3d>
+      <a:camera prst="orthographicFront"/>
+      <a:lightRig rig="threePt" dir="t"/>
+    </dgm:scene3d>
+    <dgm:sp3d/>
+    <dgm:txPr/>
+    <dgm:style>
+      <a:lnRef idx="0">
+        <a:scrgbClr r="0" g="0" b="0"/>
+      </a:lnRef>
+      <a:fillRef idx="1">
+        <a:scrgbClr r="0" g="0" b="0"/>
+      </a:fillRef>
+      <a:effectRef idx="0">
+        <a:scrgbClr r="0" g="0" b="0"/>
+      </a:effectRef>
+      <a:fontRef idx="minor">
+        <a:schemeClr val="lt1"/>
+      </a:fontRef>
+    </dgm:style>
+  </dgm:styleLbl>
+  <dgm:styleLbl name="bgSibTrans2D1">
+    <dgm:scene3d>
+      <a:camera prst="orthographicFront"/>
+      <a:lightRig rig="threePt" dir="t"/>
+    </dgm:scene3d>
+    <dgm:sp3d/>
+    <dgm:txPr/>
+    <dgm:style>
+      <a:lnRef idx="0">
+        <a:scrgbClr r="0" g="0" b="0"/>
+      </a:lnRef>
+      <a:fillRef idx="1">
+        <a:scrgbClr r="0" g="0" b="0"/>
+      </a:fillRef>
+      <a:effectRef idx="0">
+        <a:scrgbClr r="0" g="0" b="0"/>
+      </a:effectRef>
+      <a:fontRef idx="minor">
+        <a:schemeClr val="lt1"/>
+      </a:fontRef>
+    </dgm:style>
+  </dgm:styleLbl>
+  <dgm:styleLbl name="sibTrans1D1">
+    <dgm:scene3d>
+      <a:camera prst="orthographicFront"/>
+      <a:lightRig rig="threePt" dir="t"/>
+    </dgm:scene3d>
+    <dgm:sp3d/>
+    <dgm:txPr/>
+    <dgm:style>
+      <a:lnRef idx="1">
+        <a:scrgbClr r="0" g="0" b="0"/>
+      </a:lnRef>
+      <a:fillRef idx="0">
+        <a:scrgbClr r="0" g="0" b="0"/>
+      </a:fillRef>
+      <a:effectRef idx="0">
+        <a:scrgbClr r="0" g="0" b="0"/>
+      </a:effectRef>
+      <a:fontRef idx="minor"/>
+    </dgm:style>
+  </dgm:styleLbl>
+  <dgm:styleLbl name="callout">
+    <dgm:scene3d>
+      <a:camera prst="orthographicFront"/>
+      <a:lightRig rig="threePt" dir="t"/>
+    </dgm:scene3d>
+    <dgm:sp3d/>
+    <dgm:txPr/>
+    <dgm:style>
+      <a:lnRef idx="2">
+        <a:scrgbClr r="0" g="0" b="0"/>
+      </a:lnRef>
+      <a:fillRef idx="1">
+        <a:scrgbClr r="0" g="0" b="0"/>
+      </a:fillRef>
+      <a:effectRef idx="0">
+        <a:scrgbClr r="0" g="0" b="0"/>
+      </a:effectRef>
+      <a:fontRef idx="minor"/>
+    </dgm:style>
+  </dgm:styleLbl>
+  <dgm:styleLbl name="asst0">
+    <dgm:scene3d>
+      <a:camera prst="orthographicFront"/>
+      <a:lightRig rig="threePt" dir="t"/>
+    </dgm:scene3d>
+    <dgm:sp3d/>
+    <dgm:txPr/>
+    <dgm:style>
+      <a:lnRef idx="2">
+        <a:scrgbClr r="0" g="0" b="0"/>
+      </a:lnRef>
+      <a:fillRef idx="1">
+        <a:scrgbClr r="0" g="0" b="0"/>
+      </a:fillRef>
+      <a:effectRef idx="0">
+        <a:scrgbClr r="0" g="0" b="0"/>
+      </a:effectRef>
+      <a:fontRef idx="minor">
+        <a:schemeClr val="lt1"/>
+      </a:fontRef>
+    </dgm:style>
+  </dgm:styleLbl>
+  <dgm:styleLbl name="asst1">
+    <dgm:scene3d>
+      <a:camera prst="orthographicFront"/>
+      <a:lightRig rig="threePt" dir="t"/>
+    </dgm:scene3d>
+    <dgm:sp3d/>
+    <dgm:txPr/>
+    <dgm:style>
+      <a:lnRef idx="2">
+        <a:scrgbClr r="0" g="0" b="0"/>
+      </a:lnRef>
+      <a:fillRef idx="1">
+        <a:scrgbClr r="0" g="0" b="0"/>
+      </a:fillRef>
+      <a:effectRef idx="0">
+        <a:scrgbClr r="0" g="0" b="0"/>
+      </a:effectRef>
+      <a:fontRef idx="minor">
+        <a:schemeClr val="lt1"/>
+      </a:fontRef>
+    </dgm:style>
+  </dgm:styleLbl>
+  <dgm:styleLbl name="asst2">
+    <dgm:scene3d>
+      <a:camera prst="orthographicFront"/>
+      <a:lightRig rig="threePt" dir="t"/>
+    </dgm:scene3d>
+    <dgm:sp3d/>
+    <dgm:txPr/>
+    <dgm:style>
+      <a:lnRef idx="2">
+        <a:scrgbClr r="0" g="0" b="0"/>
+      </a:lnRef>
+      <a:fillRef idx="1">
+        <a:scrgbClr r="0" g="0" b="0"/>
+      </a:fillRef>
+      <a:effectRef idx="0">
+        <a:scrgbClr r="0" g="0" b="0"/>
+      </a:effectRef>
+      <a:fontRef idx="minor">
+        <a:schemeClr val="lt1"/>
+      </a:fontRef>
+    </dgm:style>
+  </dgm:styleLbl>
+  <dgm:styleLbl name="asst3">
+    <dgm:scene3d>
+      <a:camera prst="orthographicFront"/>
+      <a:lightRig rig="threePt" dir="t"/>
+    </dgm:scene3d>
+    <dgm:sp3d/>
+    <dgm:txPr/>
+    <dgm:style>
+      <a:lnRef idx="2">
+        <a:scrgbClr r="0" g="0" b="0"/>
+      </a:lnRef>
+      <a:fillRef idx="1">
+        <a:scrgbClr r="0" g="0" b="0"/>
+      </a:fillRef>
+      <a:effectRef idx="0">
+        <a:scrgbClr r="0" g="0" b="0"/>
+      </a:effectRef>
+      <a:fontRef idx="minor">
+        <a:schemeClr val="lt1"/>
+      </a:fontRef>
+    </dgm:style>
+  </dgm:styleLbl>
+  <dgm:styleLbl name="asst4">
+    <dgm:scene3d>
+      <a:camera prst="orthographicFront"/>
+      <a:lightRig rig="threePt" dir="t"/>
+    </dgm:scene3d>
+    <dgm:sp3d/>
+    <dgm:txPr/>
+    <dgm:style>
+      <a:lnRef idx="2">
+        <a:scrgbClr r="0" g="0" b="0"/>
+      </a:lnRef>
+      <a:fillRef idx="1">
+        <a:scrgbClr r="0" g="0" b="0"/>
+      </a:fillRef>
+      <a:effectRef idx="0">
+        <a:scrgbClr r="0" g="0" b="0"/>
+      </a:effectRef>
+      <a:fontRef idx="minor">
+        <a:schemeClr val="lt1"/>
+      </a:fontRef>
+    </dgm:style>
+  </dgm:styleLbl>
+  <dgm:styleLbl name="parChTrans2D1">
+    <dgm:scene3d>
+      <a:camera prst="orthographicFront"/>
+      <a:lightRig rig="threePt" dir="t"/>
+    </dgm:scene3d>
+    <dgm:sp3d/>
+    <dgm:txPr/>
+    <dgm:style>
+      <a:lnRef idx="2">
+        <a:scrgbClr r="0" g="0" b="0"/>
+      </a:lnRef>
+      <a:fillRef idx="1">
+        <a:scrgbClr r="0" g="0" b="0"/>
+      </a:fillRef>
+      <a:effectRef idx="0">
+        <a:scrgbClr r="0" g="0" b="0"/>
+      </a:effectRef>
+      <a:fontRef idx="minor">
+        <a:schemeClr val="lt1"/>
+      </a:fontRef>
+    </dgm:style>
+  </dgm:styleLbl>
+  <dgm:styleLbl name="parChTrans2D2">
+    <dgm:scene3d>
+      <a:camera prst="orthographicFront"/>
+      <a:lightRig rig="threePt" dir="t"/>
+    </dgm:scene3d>
+    <dgm:sp3d/>
+    <dgm:txPr/>
+    <dgm:style>
+      <a:lnRef idx="2">
+        <a:scrgbClr r="0" g="0" b="0"/>
+      </a:lnRef>
+      <a:fillRef idx="1">
+        <a:scrgbClr r="0" g="0" b="0"/>
+      </a:fillRef>
+      <a:effectRef idx="0">
+        <a:scrgbClr r="0" g="0" b="0"/>
+      </a:effectRef>
+      <a:fontRef idx="minor">
+        <a:schemeClr val="lt1"/>
+      </a:fontRef>
+    </dgm:style>
+  </dgm:styleLbl>
+  <dgm:styleLbl name="parChTrans2D3">
+    <dgm:scene3d>
+      <a:camera prst="orthographicFront"/>
+      <a:lightRig rig="threePt" dir="t"/>
+    </dgm:scene3d>
+    <dgm:sp3d/>
+    <dgm:txPr/>
+    <dgm:style>
+      <a:lnRef idx="2">
+        <a:scrgbClr r="0" g="0" b="0"/>
+      </a:lnRef>
+      <a:fillRef idx="1">
+        <a:scrgbClr r="0" g="0" b="0"/>
+      </a:fillRef>
+      <a:effectRef idx="0">
+        <a:scrgbClr r="0" g="0" b="0"/>
+      </a:effectRef>
+      <a:fontRef idx="minor">
+        <a:schemeClr val="lt1"/>
+      </a:fontRef>
+    </dgm:style>
+  </dgm:styleLbl>
+  <dgm:styleLbl name="parChTrans2D4">
+    <dgm:scene3d>
+      <a:camera prst="orthographicFront"/>
+      <a:lightRig rig="threePt" dir="t"/>
+    </dgm:scene3d>
+    <dgm:sp3d/>
+    <dgm:txPr/>
+    <dgm:style>
+      <a:lnRef idx="2">
+        <a:scrgbClr r="0" g="0" b="0"/>
+      </a:lnRef>
+      <a:fillRef idx="1">
+        <a:scrgbClr r="0" g="0" b="0"/>
+      </a:fillRef>
+      <a:effectRef idx="0">
+        <a:scrgbClr r="0" g="0" b="0"/>
+      </a:effectRef>
+      <a:fontRef idx="minor">
+        <a:schemeClr val="lt1"/>
+      </a:fontRef>
+    </dgm:style>
+  </dgm:styleLbl>
+  <dgm:styleLbl name="parChTrans1D1">
+    <dgm:scene3d>
+      <a:camera prst="orthographicFront"/>
+      <a:lightRig rig="threePt" dir="t"/>
+    </dgm:scene3d>
+    <dgm:sp3d/>
+    <dgm:txPr/>
+    <dgm:style>
+      <a:lnRef idx="2">
+        <a:scrgbClr r="0" g="0" b="0"/>
+      </a:lnRef>
+      <a:fillRef idx="0">
+        <a:scrgbClr r="0" g="0" b="0"/>
+      </a:fillRef>
+      <a:effectRef idx="0">
+        <a:scrgbClr r="0" g="0" b="0"/>
+      </a:effectRef>
+      <a:fontRef idx="minor"/>
+    </dgm:style>
+  </dgm:styleLbl>
+  <dgm:styleLbl name="parChTrans1D2">
+    <dgm:scene3d>
+      <a:camera prst="orthographicFront"/>
+      <a:lightRig rig="threePt" dir="t"/>
+    </dgm:scene3d>
+    <dgm:sp3d/>
+    <dgm:txPr/>
+    <dgm:style>
+      <a:lnRef idx="2">
+        <a:scrgbClr r="0" g="0" b="0"/>
+      </a:lnRef>
+      <a:fillRef idx="0">
+        <a:scrgbClr r="0" g="0" b="0"/>
+      </a:fillRef>
+      <a:effectRef idx="0">
+        <a:scrgbClr r="0" g="0" b="0"/>
+      </a:effectRef>
+      <a:fontRef idx="minor"/>
+    </dgm:style>
+  </dgm:styleLbl>
+  <dgm:styleLbl name="parChTrans1D3">
+    <dgm:scene3d>
+      <a:camera prst="orthographicFront"/>
+      <a:lightRig rig="threePt" dir="t"/>
+    </dgm:scene3d>
+    <dgm:sp3d/>
+    <dgm:txPr/>
+    <dgm:style>
+      <a:lnRef idx="2">
+        <a:scrgbClr r="0" g="0" b="0"/>
+      </a:lnRef>
+      <a:fillRef idx="0">
+        <a:scrgbClr r="0" g="0" b="0"/>
+      </a:fillRef>
+      <a:effectRef idx="0">
+        <a:scrgbClr r="0" g="0" b="0"/>
+      </a:effectRef>
+      <a:fontRef idx="minor"/>
+    </dgm:style>
+  </dgm:styleLbl>
+  <dgm:styleLbl name="parChTrans1D4">
+    <dgm:scene3d>
+      <a:camera prst="orthographicFront"/>
+      <a:lightRig rig="threePt" dir="t"/>
+    </dgm:scene3d>
+    <dgm:sp3d/>
+    <dgm:txPr/>
+    <dgm:style>
+      <a:lnRef idx="2">
+        <a:scrgbClr r="0" g="0" b="0"/>
+      </a:lnRef>
+      <a:fillRef idx="0">
+        <a:scrgbClr r="0" g="0" b="0"/>
+      </a:fillRef>
+      <a:effectRef idx="0">
+        <a:scrgbClr r="0" g="0" b="0"/>
+      </a:effectRef>
+      <a:fontRef idx="minor"/>
+    </dgm:style>
+  </dgm:styleLbl>
+  <dgm:styleLbl name="fgAcc1">
+    <dgm:scene3d>
+      <a:camera prst="orthographicFront"/>
+      <a:lightRig rig="threePt" dir="t"/>
+    </dgm:scene3d>
+    <dgm:sp3d/>
+    <dgm:txPr/>
+    <dgm:style>
+      <a:lnRef idx="2">
+        <a:scrgbClr r="0" g="0" b="0"/>
+      </a:lnRef>
+      <a:fillRef idx="1">
+        <a:scrgbClr r="0" g="0" b="0"/>
+      </a:fillRef>
+      <a:effectRef idx="0">
+        <a:scrgbClr r="0" g="0" b="0"/>
+      </a:effectRef>
+      <a:fontRef idx="minor"/>
+    </dgm:style>
+  </dgm:styleLbl>
+  <dgm:styleLbl name="conFgAcc1">
+    <dgm:scene3d>
+      <a:camera prst="orthographicFront"/>
+      <a:lightRig rig="threePt" dir="t"/>
+    </dgm:scene3d>
+    <dgm:sp3d/>
+    <dgm:txPr/>
+    <dgm:style>
+      <a:lnRef idx="2">
+        <a:scrgbClr r="0" g="0" b="0"/>
+      </a:lnRef>
+      <a:fillRef idx="1">
+        <a:scrgbClr r="0" g="0" b="0"/>
+      </a:fillRef>
+      <a:effectRef idx="0">
+        <a:scrgbClr r="0" g="0" b="0"/>
+      </a:effectRef>
+      <a:fontRef idx="minor"/>
+    </dgm:style>
+  </dgm:styleLbl>
+  <dgm:styleLbl name="alignAcc1">
+    <dgm:scene3d>
+      <a:camera prst="orthographicFront"/>
+      <a:lightRig rig="threePt" dir="t"/>
+    </dgm:scene3d>
+    <dgm:sp3d/>
+    <dgm:txPr/>
+    <dgm:style>
+      <a:lnRef idx="2">
+        <a:scrgbClr r="0" g="0" b="0"/>
+      </a:lnRef>
+      <a:fillRef idx="1">
+        <a:scrgbClr r="0" g="0" b="0"/>
+      </a:fillRef>
+      <a:effectRef idx="0">
+        <a:scrgbClr r="0" g="0" b="0"/>
+      </a:effectRef>
+      <a:fontRef idx="minor"/>
+    </dgm:style>
+  </dgm:styleLbl>
+  <dgm:styleLbl name="trAlignAcc1">
+    <dgm:scene3d>
+      <a:camera prst="orthographicFront"/>
+      <a:lightRig rig="threePt" dir="t"/>
+    </dgm:scene3d>
+    <dgm:sp3d/>
+    <dgm:txPr/>
+    <dgm:style>
+      <a:lnRef idx="1">
+        <a:scrgbClr r="0" g="0" b="0"/>
+      </a:lnRef>
+      <a:fillRef idx="1">
+        <a:scrgbClr r="0" g="0" b="0"/>
+      </a:fillRef>
+      <a:effectRef idx="0">
+        <a:scrgbClr r="0" g="0" b="0"/>
+      </a:effectRef>
+      <a:fontRef idx="minor"/>
+    </dgm:style>
+  </dgm:styleLbl>
+  <dgm:styleLbl name="bgAcc1">
+    <dgm:scene3d>
+      <a:camera prst="orthographicFront"/>
+      <a:lightRig rig="threePt" dir="t"/>
+    </dgm:scene3d>
+    <dgm:sp3d/>
+    <dgm:txPr/>
+    <dgm:style>
+      <a:lnRef idx="2">
+        <a:scrgbClr r="0" g="0" b="0"/>
+      </a:lnRef>
+      <a:fillRef idx="1">
+        <a:scrgbClr r="0" g="0" b="0"/>
+      </a:fillRef>
+      <a:effectRef idx="0">
+        <a:scrgbClr r="0" g="0" b="0"/>
+      </a:effectRef>
+      <a:fontRef idx="minor"/>
+    </dgm:style>
+  </dgm:styleLbl>
+  <dgm:styleLbl name="solidFgAcc1">
+    <dgm:scene3d>
+      <a:camera prst="orthographicFront"/>
+      <a:lightRig rig="threePt" dir="t"/>
+    </dgm:scene3d>
+    <dgm:sp3d/>
+    <dgm:txPr/>
+    <dgm:style>
+      <a:lnRef idx="2">
+        <a:scrgbClr r="0" g="0" b="0"/>
+      </a:lnRef>
+      <a:fillRef idx="1">
+        <a:scrgbClr r="0" g="0" b="0"/>
+      </a:fillRef>
+      <a:effectRef idx="0">
+        <a:scrgbClr r="0" g="0" b="0"/>
+      </a:effectRef>
+      <a:fontRef idx="minor"/>
+    </dgm:style>
+  </dgm:styleLbl>
+  <dgm:styleLbl name="solidAlignAcc1">
+    <dgm:scene3d>
+      <a:camera prst="orthographicFront"/>
+      <a:lightRig rig="threePt" dir="t"/>
+    </dgm:scene3d>
+    <dgm:sp3d/>
+    <dgm:txPr/>
+    <dgm:style>
+      <a:lnRef idx="2">
+        <a:scrgbClr r="0" g="0" b="0"/>
+      </a:lnRef>
+      <a:fillRef idx="1">
+        <a:scrgbClr r="0" g="0" b="0"/>
+      </a:fillRef>
+      <a:effectRef idx="0">
+        <a:scrgbClr r="0" g="0" b="0"/>
+      </a:effectRef>
+      <a:fontRef idx="minor"/>
+    </dgm:style>
+  </dgm:styleLbl>
+  <dgm:styleLbl name="solidBgAcc1">
+    <dgm:scene3d>
+      <a:camera prst="orthographicFront"/>
+      <a:lightRig rig="threePt" dir="t"/>
+    </dgm:scene3d>
+    <dgm:sp3d/>
+    <dgm:txPr/>
+    <dgm:style>
+      <a:lnRef idx="2">
+        <a:scrgbClr r="0" g="0" b="0"/>
+      </a:lnRef>
+      <a:fillRef idx="1">
+        <a:scrgbClr r="0" g="0" b="0"/>
+      </a:fillRef>
+      <a:effectRef idx="0">
+        <a:scrgbClr r="0" g="0" b="0"/>
+      </a:effectRef>
+      <a:fontRef idx="minor"/>
+    </dgm:style>
+  </dgm:styleLbl>
+  <dgm:styleLbl name="fgAccFollowNode1">
+    <dgm:scene3d>
+      <a:camera prst="orthographicFront"/>
+      <a:lightRig rig="threePt" dir="t"/>
+    </dgm:scene3d>
+    <dgm:sp3d/>
+    <dgm:txPr/>
+    <dgm:style>
+      <a:lnRef idx="2">
+        <a:scrgbClr r="0" g="0" b="0"/>
+      </a:lnRef>
+      <a:fillRef idx="1">
+        <a:scrgbClr r="0" g="0" b="0"/>
+      </a:fillRef>
+      <a:effectRef idx="0">
+        <a:scrgbClr r="0" g="0" b="0"/>
+      </a:effectRef>
+      <a:fontRef idx="minor"/>
+    </dgm:style>
+  </dgm:styleLbl>
+  <dgm:styleLbl name="alignAccFollowNode1">
+    <dgm:scene3d>
+      <a:camera prst="orthographicFront"/>
+      <a:lightRig rig="threePt" dir="t"/>
+    </dgm:scene3d>
+    <dgm:sp3d/>
+    <dgm:txPr/>
+    <dgm:style>
+      <a:lnRef idx="2">
+        <a:scrgbClr r="0" g="0" b="0"/>
+      </a:lnRef>
+      <a:fillRef idx="1">
+        <a:scrgbClr r="0" g="0" b="0"/>
+      </a:fillRef>
+      <a:effectRef idx="0">
+        <a:scrgbClr r="0" g="0" b="0"/>
+      </a:effectRef>
+      <a:fontRef idx="minor"/>
+    </dgm:style>
+  </dgm:styleLbl>
+  <dgm:styleLbl name="bgAccFollowNode1">
+    <dgm:scene3d>
+      <a:camera prst="orthographicFront"/>
+      <a:lightRig rig="threePt" dir="t"/>
+    </dgm:scene3d>
+    <dgm:sp3d/>
+    <dgm:txPr/>
+    <dgm:style>
+      <a:lnRef idx="2">
+        <a:scrgbClr r="0" g="0" b="0"/>
+      </a:lnRef>
+      <a:fillRef idx="1">
+        <a:scrgbClr r="0" g="0" b="0"/>
+      </a:fillRef>
+      <a:effectRef idx="0">
+        <a:scrgbClr r="0" g="0" b="0"/>
+      </a:effectRef>
+      <a:fontRef idx="minor"/>
+    </dgm:style>
+  </dgm:styleLbl>
+  <dgm:styleLbl name="fgAcc0">
+    <dgm:scene3d>
+      <a:camera prst="orthographicFront"/>
+      <a:lightRig rig="threePt" dir="t"/>
+    </dgm:scene3d>
+    <dgm:sp3d/>
+    <dgm:txPr/>
+    <dgm:style>
+      <a:lnRef idx="2">
+        <a:scrgbClr r="0" g="0" b="0"/>
+      </a:lnRef>
+      <a:fillRef idx="1">
+        <a:scrgbClr r="0" g="0" b="0"/>
+      </a:fillRef>
+      <a:effectRef idx="0">
+        <a:scrgbClr r="0" g="0" b="0"/>
+      </a:effectRef>
+      <a:fontRef idx="minor"/>
+    </dgm:style>
+  </dgm:styleLbl>
+  <dgm:styleLbl name="fgAcc2">
+    <dgm:scene3d>
+      <a:camera prst="orthographicFront"/>
+      <a:lightRig rig="threePt" dir="t"/>
+    </dgm:scene3d>
+    <dgm:sp3d/>
+    <dgm:txPr/>
+    <dgm:style>
+      <a:lnRef idx="2">
+        <a:scrgbClr r="0" g="0" b="0"/>
+      </a:lnRef>
+      <a:fillRef idx="1">
+        <a:scrgbClr r="0" g="0" b="0"/>
+      </a:fillRef>
+      <a:effectRef idx="0">
+        <a:scrgbClr r="0" g="0" b="0"/>
+      </a:effectRef>
+      <a:fontRef idx="minor"/>
+    </dgm:style>
+  </dgm:styleLbl>
+  <dgm:styleLbl name="fgAcc3">
+    <dgm:scene3d>
+      <a:camera prst="orthographicFront"/>
+      <a:lightRig rig="threePt" dir="t"/>
+    </dgm:scene3d>
+    <dgm:sp3d/>
+    <dgm:txPr/>
+    <dgm:style>
+      <a:lnRef idx="2">
+        <a:scrgbClr r="0" g="0" b="0"/>
+      </a:lnRef>
+      <a:fillRef idx="1">
+        <a:scrgbClr r="0" g="0" b="0"/>
+      </a:fillRef>
+      <a:effectRef idx="0">
+        <a:scrgbClr r="0" g="0" b="0"/>
+      </a:effectRef>
+      <a:fontRef idx="minor"/>
+    </dgm:style>
+  </dgm:styleLbl>
+  <dgm:styleLbl name="fgAcc4">
+    <dgm:scene3d>
+      <a:camera prst="orthographicFront"/>
+      <a:lightRig rig="threePt" dir="t"/>
+    </dgm:scene3d>
+    <dgm:sp3d/>
+    <dgm:txPr/>
+    <dgm:style>
+      <a:lnRef idx="2">
+        <a:scrgbClr r="0" g="0" b="0"/>
+      </a:lnRef>
+      <a:fillRef idx="1">
+        <a:scrgbClr r="0" g="0" b="0"/>
+      </a:fillRef>
+      <a:effectRef idx="0">
+        <a:scrgbClr r="0" g="0" b="0"/>
+      </a:effectRef>
+      <a:fontRef idx="minor"/>
+    </dgm:style>
+  </dgm:styleLbl>
+  <dgm:styleLbl name="bgShp">
+    <dgm:scene3d>
+      <a:camera prst="orthographicFront"/>
+      <a:lightRig rig="threePt" dir="t"/>
+    </dgm:scene3d>
+    <dgm:sp3d/>
+    <dgm:txPr/>
+    <dgm:style>
+      <a:lnRef idx="0">
+        <a:scrgbClr r="0" g="0" b="0"/>
+      </a:lnRef>
+      <a:fillRef idx="1">
+        <a:scrgbClr r="0" g="0" b="0"/>
+      </a:fillRef>
+      <a:effectRef idx="0">
+        <a:scrgbClr r="0" g="0" b="0"/>
+      </a:effectRef>
+      <a:fontRef idx="minor"/>
+    </dgm:style>
+  </dgm:styleLbl>
+  <dgm:styleLbl name="dkBgShp">
+    <dgm:scene3d>
+      <a:camera prst="orthographicFront"/>
+      <a:lightRig rig="threePt" dir="t"/>
+    </dgm:scene3d>
+    <dgm:sp3d/>
+    <dgm:txPr/>
+    <dgm:style>
+      <a:lnRef idx="0">
+        <a:scrgbClr r="0" g="0" b="0"/>
+      </a:lnRef>
+      <a:fillRef idx="1">
+        <a:scrgbClr r="0" g="0" b="0"/>
+      </a:fillRef>
+      <a:effectRef idx="0">
+        <a:scrgbClr r="0" g="0" b="0"/>
+      </a:effectRef>
+      <a:fontRef idx="minor"/>
+    </dgm:style>
+  </dgm:styleLbl>
+  <dgm:styleLbl name="trBgShp">
+    <dgm:scene3d>
+      <a:camera prst="orthographicFront"/>
+      <a:lightRig rig="threePt" dir="t"/>
+    </dgm:scene3d>
+    <dgm:sp3d/>
+    <dgm:txPr/>
+    <dgm:style>
+      <a:lnRef idx="0">
+        <a:scrgbClr r="0" g="0" b="0"/>
+      </a:lnRef>
+      <a:fillRef idx="1">
+        <a:scrgbClr r="0" g="0" b="0"/>
+      </a:fillRef>
+      <a:effectRef idx="0">
+        <a:scrgbClr r="0" g="0" b="0"/>
+      </a:effectRef>
+      <a:fontRef idx="minor"/>
+    </dgm:style>
+  </dgm:styleLbl>
+  <dgm:styleLbl name="fgShp">
+    <dgm:scene3d>
+      <a:camera prst="orthographicFront"/>
+      <a:lightRig rig="threePt" dir="t"/>
+    </dgm:scene3d>
+    <dgm:sp3d/>
+    <dgm:txPr/>
+    <dgm:style>
+      <a:lnRef idx="2">
+        <a:scrgbClr r="0" g="0" b="0"/>
+      </a:lnRef>
+      <a:fillRef idx="1">
+        <a:scrgbClr r="0" g="0" b="0"/>
+      </a:fillRef>
+      <a:effectRef idx="0">
+        <a:scrgbClr r="0" g="0" b="0"/>
+      </a:effectRef>
+      <a:fontRef idx="minor"/>
+    </dgm:style>
+  </dgm:styleLbl>
+  <dgm:styleLbl name="revTx">
+    <dgm:scene3d>
+      <a:camera prst="orthographicFront"/>
+      <a:lightRig rig="threePt" dir="t"/>
+    </dgm:scene3d>
+    <dgm:sp3d/>
+    <dgm:txPr/>
+    <dgm:style>
+      <a:lnRef idx="0">
+        <a:scrgbClr r="0" g="0" b="0"/>
+      </a:lnRef>
+      <a:fillRef idx="0">
+        <a:scrgbClr r="0" g="0" b="0"/>
+      </a:fillRef>
+      <a:effectRef idx="0">
+        <a:scrgbClr r="0" g="0" b="0"/>
+      </a:effectRef>
+      <a:fontRef idx="minor"/>
+    </dgm:style>
+  </dgm:styleLbl>
+</dgm:styleDef>
+</file>
+
+<file path=ppt/diagrams/quickStyle5.xml><?xml version="1.0" encoding="utf-8"?>
 <dgm:styleDef xmlns:dgm="http://schemas.openxmlformats.org/drawingml/2006/diagram" xmlns:a="http://schemas.openxmlformats.org/drawingml/2006/main" uniqueId="urn:microsoft.com/office/officeart/2005/8/quickstyle/simple1">
   <dgm:title val=""/>
   <dgm:desc val=""/>
@@ -11649,7 +14844,7 @@
           <a:p>
             <a:fld id="{7FA33633-22DA-443D-8BC6-29DAE126FB01}" type="datetimeFigureOut">
               <a:rPr lang="en-IN" smtClean="0"/>
-              <a:t>01-06-2022</a:t>
+              <a:t>14-06-2022</a:t>
             </a:fld>
             <a:endParaRPr lang="en-IN"/>
           </a:p>
@@ -11857,7 +15052,7 @@
           <a:p>
             <a:fld id="{7FA33633-22DA-443D-8BC6-29DAE126FB01}" type="datetimeFigureOut">
               <a:rPr lang="en-IN" smtClean="0"/>
-              <a:t>01-06-2022</a:t>
+              <a:t>14-06-2022</a:t>
             </a:fld>
             <a:endParaRPr lang="en-IN"/>
           </a:p>
@@ -12113,7 +15308,7 @@
           <a:p>
             <a:fld id="{7FA33633-22DA-443D-8BC6-29DAE126FB01}" type="datetimeFigureOut">
               <a:rPr lang="en-IN" smtClean="0"/>
-              <a:t>01-06-2022</a:t>
+              <a:t>14-06-2022</a:t>
             </a:fld>
             <a:endParaRPr lang="en-IN"/>
           </a:p>
@@ -12287,7 +15482,7 @@
           <a:p>
             <a:fld id="{7FA33633-22DA-443D-8BC6-29DAE126FB01}" type="datetimeFigureOut">
               <a:rPr lang="en-IN" smtClean="0"/>
-              <a:t>01-06-2022</a:t>
+              <a:t>14-06-2022</a:t>
             </a:fld>
             <a:endParaRPr lang="en-IN"/>
           </a:p>
@@ -12630,7 +15825,7 @@
           <a:p>
             <a:fld id="{7FA33633-22DA-443D-8BC6-29DAE126FB01}" type="datetimeFigureOut">
               <a:rPr lang="en-IN" smtClean="0"/>
-              <a:t>01-06-2022</a:t>
+              <a:t>14-06-2022</a:t>
             </a:fld>
             <a:endParaRPr lang="en-IN"/>
           </a:p>
@@ -12905,7 +16100,7 @@
           <a:p>
             <a:fld id="{7FA33633-22DA-443D-8BC6-29DAE126FB01}" type="datetimeFigureOut">
               <a:rPr lang="en-IN" smtClean="0"/>
-              <a:t>01-06-2022</a:t>
+              <a:t>14-06-2022</a:t>
             </a:fld>
             <a:endParaRPr lang="en-IN"/>
           </a:p>
@@ -13284,7 +16479,7 @@
           <a:p>
             <a:fld id="{7FA33633-22DA-443D-8BC6-29DAE126FB01}" type="datetimeFigureOut">
               <a:rPr lang="en-IN" smtClean="0"/>
-              <a:t>01-06-2022</a:t>
+              <a:t>14-06-2022</a:t>
             </a:fld>
             <a:endParaRPr lang="en-IN"/>
           </a:p>
@@ -13402,7 +16597,7 @@
           <a:p>
             <a:fld id="{7FA33633-22DA-443D-8BC6-29DAE126FB01}" type="datetimeFigureOut">
               <a:rPr lang="en-IN" smtClean="0"/>
-              <a:t>01-06-2022</a:t>
+              <a:t>14-06-2022</a:t>
             </a:fld>
             <a:endParaRPr lang="en-IN"/>
           </a:p>
@@ -13573,7 +16768,7 @@
           <a:p>
             <a:fld id="{7FA33633-22DA-443D-8BC6-29DAE126FB01}" type="datetimeFigureOut">
               <a:rPr lang="en-IN" smtClean="0"/>
-              <a:t>01-06-2022</a:t>
+              <a:t>14-06-2022</a:t>
             </a:fld>
             <a:endParaRPr lang="en-IN"/>
           </a:p>
@@ -13927,7 +17122,7 @@
           <a:p>
             <a:fld id="{7FA33633-22DA-443D-8BC6-29DAE126FB01}" type="datetimeFigureOut">
               <a:rPr lang="en-IN" smtClean="0"/>
-              <a:t>01-06-2022</a:t>
+              <a:t>14-06-2022</a:t>
             </a:fld>
             <a:endParaRPr lang="en-IN"/>
           </a:p>
@@ -14309,7 +17504,7 @@
           <a:p>
             <a:fld id="{7FA33633-22DA-443D-8BC6-29DAE126FB01}" type="datetimeFigureOut">
               <a:rPr lang="en-IN" smtClean="0"/>
-              <a:t>01-06-2022</a:t>
+              <a:t>14-06-2022</a:t>
             </a:fld>
             <a:endParaRPr lang="en-IN"/>
           </a:p>
@@ -14596,7 +17791,7 @@
           <a:p>
             <a:fld id="{7FA33633-22DA-443D-8BC6-29DAE126FB01}" type="datetimeFigureOut">
               <a:rPr lang="en-IN" smtClean="0"/>
-              <a:t>01-06-2022</a:t>
+              <a:t>14-06-2022</a:t>
             </a:fld>
             <a:endParaRPr lang="en-IN"/>
           </a:p>
@@ -18429,7 +21624,7 @@
             <p:ph idx="1"/>
             <p:extLst>
               <p:ext uri="{D42A27DB-BD31-4B8C-83A1-F6EECF244321}">
-                <p14:modId xmlns:p14="http://schemas.microsoft.com/office/powerpoint/2010/main" val="2241742787"/>
+                <p14:modId xmlns:p14="http://schemas.microsoft.com/office/powerpoint/2010/main" val="1568959582"/>
               </p:ext>
             </p:extLst>
           </p:nvPr>
@@ -18882,6 +22077,358 @@
     <p:extLst>
       <p:ext uri="{BB962C8B-B14F-4D97-AF65-F5344CB8AC3E}">
         <p14:creationId xmlns:p14="http://schemas.microsoft.com/office/powerpoint/2010/main" val="3559397658"/>
+      </p:ext>
+    </p:extLst>
+  </p:cSld>
+  <p:clrMapOvr>
+    <a:masterClrMapping/>
+  </p:clrMapOvr>
+</p:sld>
+</file>
+
+<file path=ppt/slides/slide21.xml><?xml version="1.0" encoding="utf-8"?>
+<p:sld xmlns:a="http://schemas.openxmlformats.org/drawingml/2006/main" xmlns:r="http://schemas.openxmlformats.org/officeDocument/2006/relationships" xmlns:p="http://schemas.openxmlformats.org/presentationml/2006/main">
+  <p:cSld>
+    <p:bg>
+      <p:bgPr>
+        <a:solidFill>
+          <a:schemeClr val="bg1"/>
+        </a:solidFill>
+        <a:effectLst/>
+      </p:bgPr>
+    </p:bg>
+    <p:spTree>
+      <p:nvGrpSpPr>
+        <p:cNvPr id="1" name=""/>
+        <p:cNvGrpSpPr/>
+        <p:nvPr/>
+      </p:nvGrpSpPr>
+      <p:grpSpPr>
+        <a:xfrm>
+          <a:off x="0" y="0"/>
+          <a:ext cx="0" cy="0"/>
+          <a:chOff x="0" y="0"/>
+          <a:chExt cx="0" cy="0"/>
+        </a:xfrm>
+      </p:grpSpPr>
+      <p:sp>
+        <p:nvSpPr>
+          <p:cNvPr id="7" name="Rectangle 6">
+            <a:extLst>
+              <a:ext uri="{FF2B5EF4-FFF2-40B4-BE49-F238E27FC236}">
+                <a16:creationId xmlns:a16="http://schemas.microsoft.com/office/drawing/2014/main" id="{41497DE5-0939-4D1D-9350-0C5E1B209C68}"/>
+              </a:ext>
+              <a:ext uri="{C183D7F6-B498-43B3-948B-1728B52AA6E4}">
+                <adec:decorative xmlns:adec="http://schemas.microsoft.com/office/drawing/2017/decorative" val="1"/>
+              </a:ext>
+            </a:extLst>
+          </p:cNvPr>
+          <p:cNvSpPr>
+            <a:spLocks noGrp="1" noRot="1" noChangeAspect="1" noMove="1" noResize="1" noEditPoints="1" noAdjustHandles="1" noChangeArrowheads="1" noChangeShapeType="1" noTextEdit="1"/>
+          </p:cNvSpPr>
+          <p:nvPr>
+            <p:extLst>
+              <p:ext uri="{386F3935-93C4-4BCD-93E2-E3B085C9AB24}">
+                <p16:designElem xmlns:p16="http://schemas.microsoft.com/office/powerpoint/2015/main" val="1"/>
+              </p:ext>
+            </p:extLst>
+          </p:nvPr>
+        </p:nvSpPr>
+        <p:spPr>
+          <a:xfrm>
+            <a:off x="0" y="0"/>
+            <a:ext cx="12192000" cy="6858000"/>
+          </a:xfrm>
+          <a:prstGeom prst="rect">
+            <a:avLst/>
+          </a:prstGeom>
+          <a:solidFill>
+            <a:schemeClr val="accent2"/>
+          </a:solidFill>
+          <a:ln>
+            <a:noFill/>
+          </a:ln>
+        </p:spPr>
+        <p:style>
+          <a:lnRef idx="2">
+            <a:schemeClr val="accent1">
+              <a:shade val="50000"/>
+            </a:schemeClr>
+          </a:lnRef>
+          <a:fillRef idx="1">
+            <a:schemeClr val="accent1"/>
+          </a:fillRef>
+          <a:effectRef idx="0">
+            <a:schemeClr val="accent1"/>
+          </a:effectRef>
+          <a:fontRef idx="minor">
+            <a:schemeClr val="lt1"/>
+          </a:fontRef>
+        </p:style>
+        <p:txBody>
+          <a:bodyPr rtlCol="0" anchor="ctr"/>
+          <a:lstStyle/>
+          <a:p>
+            <a:pPr algn="ctr"/>
+            <a:endParaRPr lang="en-US"/>
+          </a:p>
+        </p:txBody>
+      </p:sp>
+      <p:sp>
+        <p:nvSpPr>
+          <p:cNvPr id="9" name="Rectangle 8">
+            <a:extLst>
+              <a:ext uri="{FF2B5EF4-FFF2-40B4-BE49-F238E27FC236}">
+                <a16:creationId xmlns:a16="http://schemas.microsoft.com/office/drawing/2014/main" id="{5CCC70ED-6C63-4537-B7EB-51990D6C0A6F}"/>
+              </a:ext>
+              <a:ext uri="{C183D7F6-B498-43B3-948B-1728B52AA6E4}">
+                <adec:decorative xmlns:adec="http://schemas.microsoft.com/office/drawing/2017/decorative" val="1"/>
+              </a:ext>
+            </a:extLst>
+          </p:cNvPr>
+          <p:cNvSpPr>
+            <a:spLocks noGrp="1" noRot="1" noChangeAspect="1" noMove="1" noResize="1" noEditPoints="1" noAdjustHandles="1" noChangeArrowheads="1" noChangeShapeType="1" noTextEdit="1"/>
+          </p:cNvSpPr>
+          <p:nvPr>
+            <p:extLst>
+              <p:ext uri="{386F3935-93C4-4BCD-93E2-E3B085C9AB24}">
+                <p16:designElem xmlns:p16="http://schemas.microsoft.com/office/powerpoint/2015/main" val="1"/>
+              </p:ext>
+            </p:extLst>
+          </p:nvPr>
+        </p:nvSpPr>
+        <p:spPr>
+          <a:xfrm>
+            <a:off x="458724" y="457200"/>
+            <a:ext cx="11274552" cy="5943600"/>
+          </a:xfrm>
+          <a:prstGeom prst="rect">
+            <a:avLst/>
+          </a:prstGeom>
+          <a:ln>
+            <a:noFill/>
+          </a:ln>
+        </p:spPr>
+        <p:style>
+          <a:lnRef idx="2">
+            <a:schemeClr val="accent1">
+              <a:shade val="50000"/>
+            </a:schemeClr>
+          </a:lnRef>
+          <a:fillRef idx="1">
+            <a:schemeClr val="accent1"/>
+          </a:fillRef>
+          <a:effectRef idx="0">
+            <a:schemeClr val="accent1"/>
+          </a:effectRef>
+          <a:fontRef idx="minor">
+            <a:schemeClr val="lt1"/>
+          </a:fontRef>
+        </p:style>
+        <p:txBody>
+          <a:bodyPr rtlCol="0" anchor="ctr"/>
+          <a:lstStyle/>
+          <a:p>
+            <a:pPr algn="ctr"/>
+            <a:endParaRPr lang="en-US"/>
+          </a:p>
+        </p:txBody>
+      </p:sp>
+      <p:sp>
+        <p:nvSpPr>
+          <p:cNvPr id="11" name="Rectangle 10">
+            <a:extLst>
+              <a:ext uri="{FF2B5EF4-FFF2-40B4-BE49-F238E27FC236}">
+                <a16:creationId xmlns:a16="http://schemas.microsoft.com/office/drawing/2014/main" id="{B76E24C1-2968-40DC-A36E-F6B85F0F0752}"/>
+              </a:ext>
+              <a:ext uri="{C183D7F6-B498-43B3-948B-1728B52AA6E4}">
+                <adec:decorative xmlns:adec="http://schemas.microsoft.com/office/drawing/2017/decorative" val="1"/>
+              </a:ext>
+            </a:extLst>
+          </p:cNvPr>
+          <p:cNvSpPr>
+            <a:spLocks noGrp="1" noRot="1" noChangeAspect="1" noMove="1" noResize="1" noEditPoints="1" noAdjustHandles="1" noChangeArrowheads="1" noChangeShapeType="1" noTextEdit="1"/>
+          </p:cNvSpPr>
+          <p:nvPr>
+            <p:extLst>
+              <p:ext uri="{386F3935-93C4-4BCD-93E2-E3B085C9AB24}">
+                <p16:designElem xmlns:p16="http://schemas.microsoft.com/office/powerpoint/2015/main" val="1"/>
+              </p:ext>
+            </p:extLst>
+          </p:nvPr>
+        </p:nvSpPr>
+        <p:spPr>
+          <a:xfrm>
+            <a:off x="522732" y="521208"/>
+            <a:ext cx="11146536" cy="5815584"/>
+          </a:xfrm>
+          <a:prstGeom prst="rect">
+            <a:avLst/>
+          </a:prstGeom>
+          <a:solidFill>
+            <a:srgbClr val="FFFFFF"/>
+          </a:solidFill>
+          <a:ln>
+            <a:noFill/>
+          </a:ln>
+        </p:spPr>
+        <p:style>
+          <a:lnRef idx="2">
+            <a:schemeClr val="accent1">
+              <a:shade val="50000"/>
+            </a:schemeClr>
+          </a:lnRef>
+          <a:fillRef idx="1">
+            <a:schemeClr val="accent1"/>
+          </a:fillRef>
+          <a:effectRef idx="0">
+            <a:schemeClr val="accent1"/>
+          </a:effectRef>
+          <a:fontRef idx="minor">
+            <a:schemeClr val="lt1"/>
+          </a:fontRef>
+        </p:style>
+        <p:txBody>
+          <a:bodyPr rtlCol="0" anchor="ctr"/>
+          <a:lstStyle/>
+          <a:p>
+            <a:pPr algn="ctr"/>
+            <a:endParaRPr lang="en-US"/>
+          </a:p>
+        </p:txBody>
+      </p:sp>
+      <p:pic>
+        <p:nvPicPr>
+          <p:cNvPr id="2" name="Picture 2">
+            <a:extLst>
+              <a:ext uri="{FF2B5EF4-FFF2-40B4-BE49-F238E27FC236}">
+                <a16:creationId xmlns:a16="http://schemas.microsoft.com/office/drawing/2014/main" id="{7ACE6AB2-3774-45D9-99CE-AF3D93F970B0}"/>
+              </a:ext>
+            </a:extLst>
+          </p:cNvPr>
+          <p:cNvPicPr>
+            <a:picLocks noChangeAspect="1" noChangeArrowheads="1"/>
+          </p:cNvPicPr>
+          <p:nvPr/>
+        </p:nvPicPr>
+        <p:blipFill>
+          <a:blip r:embed="rId2">
+            <a:extLst>
+              <a:ext uri="{28A0092B-C50C-407E-A947-70E740481C1C}">
+                <a14:useLocalDpi xmlns:a14="http://schemas.microsoft.com/office/drawing/2010/main" val="0"/>
+              </a:ext>
+            </a:extLst>
+          </a:blip>
+          <a:stretch>
+            <a:fillRect/>
+          </a:stretch>
+        </p:blipFill>
+        <p:spPr bwMode="auto">
+          <a:xfrm>
+            <a:off x="1226698" y="909136"/>
+            <a:ext cx="9738604" cy="5039728"/>
+          </a:xfrm>
+          <a:prstGeom prst="rect">
+            <a:avLst/>
+          </a:prstGeom>
+          <a:noFill/>
+          <a:extLst>
+            <a:ext uri="{909E8E84-426E-40DD-AFC4-6F175D3DCCD1}">
+              <a14:hiddenFill xmlns:a14="http://schemas.microsoft.com/office/drawing/2010/main">
+                <a:solidFill>
+                  <a:srgbClr val="FFFFFF"/>
+                </a:solidFill>
+              </a14:hiddenFill>
+            </a:ext>
+          </a:extLst>
+        </p:spPr>
+      </p:pic>
+    </p:spTree>
+    <p:extLst>
+      <p:ext uri="{BB962C8B-B14F-4D97-AF65-F5344CB8AC3E}">
+        <p14:creationId xmlns:p14="http://schemas.microsoft.com/office/powerpoint/2010/main" val="1912332364"/>
+      </p:ext>
+    </p:extLst>
+  </p:cSld>
+  <p:clrMapOvr>
+    <a:masterClrMapping/>
+  </p:clrMapOvr>
+</p:sld>
+</file>
+
+<file path=ppt/slides/slide22.xml><?xml version="1.0" encoding="utf-8"?>
+<p:sld xmlns:a="http://schemas.openxmlformats.org/drawingml/2006/main" xmlns:r="http://schemas.openxmlformats.org/officeDocument/2006/relationships" xmlns:p="http://schemas.openxmlformats.org/presentationml/2006/main">
+  <p:cSld>
+    <p:spTree>
+      <p:nvGrpSpPr>
+        <p:cNvPr id="1" name=""/>
+        <p:cNvGrpSpPr/>
+        <p:nvPr/>
+      </p:nvGrpSpPr>
+      <p:grpSpPr>
+        <a:xfrm>
+          <a:off x="0" y="0"/>
+          <a:ext cx="0" cy="0"/>
+          <a:chOff x="0" y="0"/>
+          <a:chExt cx="0" cy="0"/>
+        </a:xfrm>
+      </p:grpSpPr>
+      <p:graphicFrame>
+        <p:nvGraphicFramePr>
+          <p:cNvPr id="34" name="TextBox 2">
+            <a:extLst>
+              <a:ext uri="{FF2B5EF4-FFF2-40B4-BE49-F238E27FC236}">
+                <a16:creationId xmlns:a16="http://schemas.microsoft.com/office/drawing/2014/main" id="{1290A55D-0D60-5AEE-5A98-D5E4A2596E3A}"/>
+              </a:ext>
+            </a:extLst>
+          </p:cNvPr>
+          <p:cNvGraphicFramePr/>
+          <p:nvPr/>
+        </p:nvGraphicFramePr>
+        <p:xfrm>
+          <a:off x="857250" y="876301"/>
+          <a:ext cx="10039350" cy="4154984"/>
+        </p:xfrm>
+        <a:graphic>
+          <a:graphicData uri="http://schemas.openxmlformats.org/drawingml/2006/diagram">
+            <dgm:relIds xmlns:dgm="http://schemas.openxmlformats.org/drawingml/2006/diagram" xmlns:r="http://schemas.openxmlformats.org/officeDocument/2006/relationships" r:dm="rId2" r:lo="rId3" r:qs="rId4" r:cs="rId5"/>
+          </a:graphicData>
+        </a:graphic>
+      </p:graphicFrame>
+    </p:spTree>
+    <p:extLst>
+      <p:ext uri="{BB962C8B-B14F-4D97-AF65-F5344CB8AC3E}">
+        <p14:creationId xmlns:p14="http://schemas.microsoft.com/office/powerpoint/2010/main" val="2948535215"/>
+      </p:ext>
+    </p:extLst>
+  </p:cSld>
+  <p:clrMapOvr>
+    <a:masterClrMapping/>
+  </p:clrMapOvr>
+</p:sld>
+</file>
+
+<file path=ppt/slides/slide23.xml><?xml version="1.0" encoding="utf-8"?>
+<p:sld xmlns:a="http://schemas.openxmlformats.org/drawingml/2006/main" xmlns:r="http://schemas.openxmlformats.org/officeDocument/2006/relationships" xmlns:p="http://schemas.openxmlformats.org/presentationml/2006/main">
+  <p:cSld>
+    <p:spTree>
+      <p:nvGrpSpPr>
+        <p:cNvPr id="1" name=""/>
+        <p:cNvGrpSpPr/>
+        <p:nvPr/>
+      </p:nvGrpSpPr>
+      <p:grpSpPr>
+        <a:xfrm>
+          <a:off x="0" y="0"/>
+          <a:ext cx="0" cy="0"/>
+          <a:chOff x="0" y="0"/>
+          <a:chExt cx="0" cy="0"/>
+        </a:xfrm>
+      </p:grpSpPr>
+    </p:spTree>
+    <p:extLst>
+      <p:ext uri="{BB962C8B-B14F-4D97-AF65-F5344CB8AC3E}">
+        <p14:creationId xmlns:p14="http://schemas.microsoft.com/office/powerpoint/2010/main" val="3660829533"/>
       </p:ext>
     </p:extLst>
   </p:cSld>
